--- a/java-report/OOP概要.pptx
+++ b/java-report/OOP概要.pptx
@@ -8,12 +8,15 @@
     <p:sldId id="256" r:id="rId2"/>
     <p:sldId id="262" r:id="rId3"/>
     <p:sldId id="269" r:id="rId4"/>
-    <p:sldId id="271" r:id="rId5"/>
-    <p:sldId id="272" r:id="rId6"/>
-    <p:sldId id="273" r:id="rId7"/>
-    <p:sldId id="267" r:id="rId8"/>
-    <p:sldId id="274" r:id="rId9"/>
-    <p:sldId id="270" r:id="rId10"/>
+    <p:sldId id="277" r:id="rId5"/>
+    <p:sldId id="271" r:id="rId6"/>
+    <p:sldId id="275" r:id="rId7"/>
+    <p:sldId id="272" r:id="rId8"/>
+    <p:sldId id="273" r:id="rId9"/>
+    <p:sldId id="267" r:id="rId10"/>
+    <p:sldId id="274" r:id="rId11"/>
+    <p:sldId id="276" r:id="rId12"/>
+    <p:sldId id="270" r:id="rId13"/>
   </p:sldIdLst>
   <p:sldSz cx="12192000" cy="6858000"/>
   <p:notesSz cx="6858000" cy="9144000"/>
@@ -1527,7 +1530,7 @@
           <a:p>
             <a:fld id="{9627246E-3903-4E01-B28D-BFF5567D65C3}" type="datetimeFigureOut">
               <a:rPr kumimoji="1" lang="ja-JP" altLang="en-US" smtClean="0"/>
-              <a:t>2026/2/18</a:t>
+              <a:t>2026/2/19</a:t>
             </a:fld>
             <a:endParaRPr kumimoji="1" lang="ja-JP" altLang="en-US"/>
           </a:p>
@@ -1757,7 +1760,7 @@
           <a:p>
             <a:fld id="{9627246E-3903-4E01-B28D-BFF5567D65C3}" type="datetimeFigureOut">
               <a:rPr kumimoji="1" lang="ja-JP" altLang="en-US" smtClean="0"/>
-              <a:t>2026/2/18</a:t>
+              <a:t>2026/2/19</a:t>
             </a:fld>
             <a:endParaRPr kumimoji="1" lang="ja-JP" altLang="en-US"/>
           </a:p>
@@ -1997,7 +2000,7 @@
           <a:p>
             <a:fld id="{9627246E-3903-4E01-B28D-BFF5567D65C3}" type="datetimeFigureOut">
               <a:rPr kumimoji="1" lang="ja-JP" altLang="en-US" smtClean="0"/>
-              <a:t>2026/2/18</a:t>
+              <a:t>2026/2/19</a:t>
             </a:fld>
             <a:endParaRPr kumimoji="1" lang="ja-JP" altLang="en-US"/>
           </a:p>
@@ -2227,7 +2230,7 @@
           <a:p>
             <a:fld id="{9627246E-3903-4E01-B28D-BFF5567D65C3}" type="datetimeFigureOut">
               <a:rPr kumimoji="1" lang="ja-JP" altLang="en-US" smtClean="0"/>
-              <a:t>2026/2/18</a:t>
+              <a:t>2026/2/19</a:t>
             </a:fld>
             <a:endParaRPr kumimoji="1" lang="ja-JP" altLang="en-US"/>
           </a:p>
@@ -2502,7 +2505,7 @@
           <a:p>
             <a:fld id="{9627246E-3903-4E01-B28D-BFF5567D65C3}" type="datetimeFigureOut">
               <a:rPr kumimoji="1" lang="ja-JP" altLang="en-US" smtClean="0"/>
-              <a:t>2026/2/18</a:t>
+              <a:t>2026/2/19</a:t>
             </a:fld>
             <a:endParaRPr kumimoji="1" lang="ja-JP" altLang="en-US"/>
           </a:p>
@@ -2831,7 +2834,7 @@
           <a:p>
             <a:fld id="{9627246E-3903-4E01-B28D-BFF5567D65C3}" type="datetimeFigureOut">
               <a:rPr kumimoji="1" lang="ja-JP" altLang="en-US" smtClean="0"/>
-              <a:t>2026/2/18</a:t>
+              <a:t>2026/2/19</a:t>
             </a:fld>
             <a:endParaRPr kumimoji="1" lang="ja-JP" altLang="en-US"/>
           </a:p>
@@ -3307,7 +3310,7 @@
           <a:p>
             <a:fld id="{9627246E-3903-4E01-B28D-BFF5567D65C3}" type="datetimeFigureOut">
               <a:rPr kumimoji="1" lang="ja-JP" altLang="en-US" smtClean="0"/>
-              <a:t>2026/2/18</a:t>
+              <a:t>2026/2/19</a:t>
             </a:fld>
             <a:endParaRPr kumimoji="1" lang="ja-JP" altLang="en-US"/>
           </a:p>
@@ -3448,7 +3451,7 @@
           <a:p>
             <a:fld id="{9627246E-3903-4E01-B28D-BFF5567D65C3}" type="datetimeFigureOut">
               <a:rPr kumimoji="1" lang="ja-JP" altLang="en-US" smtClean="0"/>
-              <a:t>2026/2/18</a:t>
+              <a:t>2026/2/19</a:t>
             </a:fld>
             <a:endParaRPr kumimoji="1" lang="ja-JP" altLang="en-US"/>
           </a:p>
@@ -3561,7 +3564,7 @@
           <a:p>
             <a:fld id="{9627246E-3903-4E01-B28D-BFF5567D65C3}" type="datetimeFigureOut">
               <a:rPr kumimoji="1" lang="ja-JP" altLang="en-US" smtClean="0"/>
-              <a:t>2026/2/18</a:t>
+              <a:t>2026/2/19</a:t>
             </a:fld>
             <a:endParaRPr kumimoji="1" lang="ja-JP" altLang="en-US"/>
           </a:p>
@@ -3904,7 +3907,7 @@
           <a:p>
             <a:fld id="{9627246E-3903-4E01-B28D-BFF5567D65C3}" type="datetimeFigureOut">
               <a:rPr kumimoji="1" lang="ja-JP" altLang="en-US" smtClean="0"/>
-              <a:t>2026/2/18</a:t>
+              <a:t>2026/2/19</a:t>
             </a:fld>
             <a:endParaRPr kumimoji="1" lang="ja-JP" altLang="en-US"/>
           </a:p>
@@ -4192,7 +4195,7 @@
           <a:p>
             <a:fld id="{9627246E-3903-4E01-B28D-BFF5567D65C3}" type="datetimeFigureOut">
               <a:rPr kumimoji="1" lang="ja-JP" altLang="en-US" smtClean="0"/>
-              <a:t>2026/2/18</a:t>
+              <a:t>2026/2/19</a:t>
             </a:fld>
             <a:endParaRPr kumimoji="1" lang="ja-JP" altLang="en-US"/>
           </a:p>
@@ -4465,7 +4468,7 @@
           <a:p>
             <a:fld id="{9627246E-3903-4E01-B28D-BFF5567D65C3}" type="datetimeFigureOut">
               <a:rPr kumimoji="1" lang="ja-JP" altLang="en-US" smtClean="0"/>
-              <a:t>2026/2/18</a:t>
+              <a:t>2026/2/19</a:t>
             </a:fld>
             <a:endParaRPr kumimoji="1" lang="ja-JP" altLang="en-US"/>
           </a:p>
@@ -5476,16 +5479,13 @@
                   <a:srgbClr val="FFFFFF"/>
                 </a:solidFill>
               </a:rPr>
-              <a:t>）</a:t>
-            </a:r>
-            <a:r>
-              <a:rPr kumimoji="1" lang="ja-JP" altLang="en-US" sz="4800" dirty="0">
-                <a:solidFill>
-                  <a:srgbClr val="FFFFFF"/>
-                </a:solidFill>
-              </a:rPr>
-              <a:t>概要</a:t>
-            </a:r>
+              <a:t>）概要</a:t>
+            </a:r>
+            <a:endParaRPr kumimoji="1" lang="ja-JP" altLang="en-US" sz="4800" dirty="0">
+              <a:solidFill>
+                <a:srgbClr val="FFFFFF"/>
+              </a:solidFill>
+            </a:endParaRPr>
           </a:p>
         </p:txBody>
       </p:sp>
@@ -5519,10 +5519,21 @@
           <a:p>
             <a:pPr algn="l"/>
             <a:r>
-              <a:rPr lang="ja-JP" altLang="en-US" dirty="0"/>
-              <a:t>～ソフトウエアの保守や再利用をしやすくすることを重視する技術～</a:t>
-            </a:r>
-            <a:endParaRPr kumimoji="1" lang="ja-JP" altLang="en-US" dirty="0"/>
+              <a:rPr kumimoji="1" lang="en-US" altLang="ja-JP" dirty="0"/>
+              <a:t>※OOP</a:t>
+            </a:r>
+            <a:r>
+              <a:rPr kumimoji="1" lang="ja-JP" altLang="en-US" dirty="0"/>
+              <a:t>とは</a:t>
+            </a:r>
+            <a:r>
+              <a:rPr kumimoji="1" lang="en-US" altLang="ja-JP" dirty="0"/>
+              <a:t> Object Oriented Programing </a:t>
+            </a:r>
+            <a:r>
+              <a:rPr kumimoji="1" lang="ja-JP" altLang="en-US" dirty="0"/>
+              <a:t>の略</a:t>
+            </a:r>
           </a:p>
         </p:txBody>
       </p:sp>
@@ -5631,604 +5642,7 @@
 </p:sld>
 </file>
 
-<file path=ppt/slides/slide2.xml><?xml version="1.0" encoding="utf-8"?>
-<p:sld xmlns:a="http://schemas.openxmlformats.org/drawingml/2006/main" xmlns:r="http://schemas.openxmlformats.org/officeDocument/2006/relationships" xmlns:p="http://schemas.openxmlformats.org/presentationml/2006/main">
-  <p:cSld>
-    <p:spTree>
-      <p:nvGrpSpPr>
-        <p:cNvPr id="1" name=""/>
-        <p:cNvGrpSpPr/>
-        <p:nvPr/>
-      </p:nvGrpSpPr>
-      <p:grpSpPr>
-        <a:xfrm>
-          <a:off x="0" y="0"/>
-          <a:ext cx="0" cy="0"/>
-          <a:chOff x="0" y="0"/>
-          <a:chExt cx="0" cy="0"/>
-        </a:xfrm>
-      </p:grpSpPr>
-      <p:sp>
-        <p:nvSpPr>
-          <p:cNvPr id="2" name="タイトル 1">
-            <a:extLst>
-              <a:ext uri="{FF2B5EF4-FFF2-40B4-BE49-F238E27FC236}">
-                <a16:creationId xmlns:a16="http://schemas.microsoft.com/office/drawing/2014/main" id="{9C784ACA-9376-15C6-DD93-68B5D582FADA}"/>
-              </a:ext>
-            </a:extLst>
-          </p:cNvPr>
-          <p:cNvSpPr>
-            <a:spLocks noGrp="1"/>
-          </p:cNvSpPr>
-          <p:nvPr>
-            <p:ph type="title"/>
-          </p:nvPr>
-        </p:nvSpPr>
-        <p:spPr/>
-        <p:txBody>
-          <a:bodyPr>
-            <a:normAutofit/>
-          </a:bodyPr>
-          <a:lstStyle/>
-          <a:p>
-            <a:r>
-              <a:rPr lang="ja-JP" altLang="en-US" sz="3600" dirty="0"/>
-              <a:t>オブジェクト指向とは</a:t>
-            </a:r>
-            <a:endParaRPr kumimoji="1" lang="ja-JP" altLang="en-US" sz="3600" dirty="0"/>
-          </a:p>
-        </p:txBody>
-      </p:sp>
-      <p:sp>
-        <p:nvSpPr>
-          <p:cNvPr id="3" name="コンテンツ プレースホルダー 2">
-            <a:extLst>
-              <a:ext uri="{FF2B5EF4-FFF2-40B4-BE49-F238E27FC236}">
-                <a16:creationId xmlns:a16="http://schemas.microsoft.com/office/drawing/2014/main" id="{37025C41-8921-578C-16F8-6B5CF0A93AE0}"/>
-              </a:ext>
-            </a:extLst>
-          </p:cNvPr>
-          <p:cNvSpPr>
-            <a:spLocks noGrp="1"/>
-          </p:cNvSpPr>
-          <p:nvPr>
-            <p:ph idx="1"/>
-          </p:nvPr>
-        </p:nvSpPr>
-        <p:spPr/>
-        <p:txBody>
-          <a:bodyPr>
-            <a:normAutofit/>
-          </a:bodyPr>
-          <a:lstStyle/>
-          <a:p>
-            <a:pPr marL="0" indent="0">
-              <a:buNone/>
-            </a:pPr>
-            <a:r>
-              <a:rPr lang="ja-JP" altLang="en-US" dirty="0"/>
-              <a:t>✅ソフトの保守や再利用をしやすくすることを重視する技術</a:t>
-            </a:r>
-            <a:endParaRPr lang="en-US" altLang="ja-JP" dirty="0"/>
-          </a:p>
-          <a:p>
-            <a:pPr marL="0" indent="0">
-              <a:buNone/>
-            </a:pPr>
-            <a:endParaRPr lang="en-US" altLang="ja-JP" dirty="0"/>
-          </a:p>
-          <a:p>
-            <a:pPr marL="0" indent="0">
-              <a:buNone/>
-            </a:pPr>
-            <a:r>
-              <a:rPr lang="ja-JP" altLang="en-US" dirty="0"/>
-              <a:t>✅個々の部品により強く着目し、部品の独立性を高め、それらを組み上げてシステムを実現することが基本的な考え方</a:t>
-            </a:r>
-            <a:endParaRPr lang="en-US" altLang="ja-JP" dirty="0"/>
-          </a:p>
-          <a:p>
-            <a:pPr marL="0" indent="0">
-              <a:buNone/>
-            </a:pPr>
-            <a:endParaRPr lang="en-US" altLang="ja-JP" dirty="0"/>
-          </a:p>
-          <a:p>
-            <a:pPr marL="0" indent="0">
-              <a:buNone/>
-            </a:pPr>
-            <a:r>
-              <a:rPr lang="ja-JP" altLang="en-US" dirty="0"/>
-              <a:t>✅部品の独立性を高めることで、修正が起きた場合の影響範囲を最小限にし、他のシステムで容易に再利用できるようにする</a:t>
-            </a:r>
-          </a:p>
-        </p:txBody>
-      </p:sp>
-    </p:spTree>
-    <p:extLst>
-      <p:ext uri="{BB962C8B-B14F-4D97-AF65-F5344CB8AC3E}">
-        <p14:creationId xmlns:p14="http://schemas.microsoft.com/office/powerpoint/2010/main" val="4019972730"/>
-      </p:ext>
-    </p:extLst>
-  </p:cSld>
-  <p:clrMapOvr>
-    <a:masterClrMapping/>
-  </p:clrMapOvr>
-</p:sld>
-</file>
-
-<file path=ppt/slides/slide3.xml><?xml version="1.0" encoding="utf-8"?>
-<p:sld xmlns:a="http://schemas.openxmlformats.org/drawingml/2006/main" xmlns:r="http://schemas.openxmlformats.org/officeDocument/2006/relationships" xmlns:p="http://schemas.openxmlformats.org/presentationml/2006/main">
-  <p:cSld>
-    <p:spTree>
-      <p:nvGrpSpPr>
-        <p:cNvPr id="1" name="">
-          <a:extLst>
-            <a:ext uri="{FF2B5EF4-FFF2-40B4-BE49-F238E27FC236}">
-              <a16:creationId xmlns:a16="http://schemas.microsoft.com/office/drawing/2014/main" id="{2E0E07E3-1B09-367C-DDAC-78B4285B48F6}"/>
-            </a:ext>
-          </a:extLst>
-        </p:cNvPr>
-        <p:cNvGrpSpPr/>
-        <p:nvPr/>
-      </p:nvGrpSpPr>
-      <p:grpSpPr>
-        <a:xfrm>
-          <a:off x="0" y="0"/>
-          <a:ext cx="0" cy="0"/>
-          <a:chOff x="0" y="0"/>
-          <a:chExt cx="0" cy="0"/>
-        </a:xfrm>
-      </p:grpSpPr>
-      <p:sp>
-        <p:nvSpPr>
-          <p:cNvPr id="2" name="タイトル 1">
-            <a:extLst>
-              <a:ext uri="{FF2B5EF4-FFF2-40B4-BE49-F238E27FC236}">
-                <a16:creationId xmlns:a16="http://schemas.microsoft.com/office/drawing/2014/main" id="{C1C4982B-BC3A-D6CF-E3B5-60C95AD63E08}"/>
-              </a:ext>
-            </a:extLst>
-          </p:cNvPr>
-          <p:cNvSpPr>
-            <a:spLocks noGrp="1"/>
-          </p:cNvSpPr>
-          <p:nvPr>
-            <p:ph type="title"/>
-          </p:nvPr>
-        </p:nvSpPr>
-        <p:spPr/>
-        <p:txBody>
-          <a:bodyPr>
-            <a:normAutofit/>
-          </a:bodyPr>
-          <a:lstStyle/>
-          <a:p>
-            <a:r>
-              <a:rPr kumimoji="1" lang="ja-JP" altLang="en-US" sz="3600" dirty="0"/>
-              <a:t>オブジェクト指向の三大要素</a:t>
-            </a:r>
-          </a:p>
-        </p:txBody>
-      </p:sp>
-      <p:sp>
-        <p:nvSpPr>
-          <p:cNvPr id="3" name="コンテンツ プレースホルダー 2">
-            <a:extLst>
-              <a:ext uri="{FF2B5EF4-FFF2-40B4-BE49-F238E27FC236}">
-                <a16:creationId xmlns:a16="http://schemas.microsoft.com/office/drawing/2014/main" id="{DD53FF5D-E9CC-E595-2B49-9FD96365E089}"/>
-              </a:ext>
-            </a:extLst>
-          </p:cNvPr>
-          <p:cNvSpPr>
-            <a:spLocks noGrp="1"/>
-          </p:cNvSpPr>
-          <p:nvPr>
-            <p:ph idx="1"/>
-          </p:nvPr>
-        </p:nvSpPr>
-        <p:spPr>
-          <a:xfrm>
-            <a:off x="838200" y="1466397"/>
-            <a:ext cx="10515600" cy="5146674"/>
-          </a:xfrm>
-        </p:spPr>
-        <p:txBody>
-          <a:bodyPr>
-            <a:normAutofit/>
-          </a:bodyPr>
-          <a:lstStyle/>
-          <a:p>
-            <a:pPr>
-              <a:buFont typeface="Wingdings" panose="05000000000000000000" pitchFamily="2" charset="2"/>
-              <a:buChar char="l"/>
-            </a:pPr>
-            <a:r>
-              <a:rPr lang="ja-JP" altLang="en-US" dirty="0"/>
-              <a:t>クラス</a:t>
-            </a:r>
-            <a:endParaRPr lang="en-US" altLang="ja-JP" dirty="0"/>
-          </a:p>
-          <a:p>
-            <a:pPr>
-              <a:buFont typeface="Wingdings" panose="05000000000000000000" pitchFamily="2" charset="2"/>
-              <a:buChar char="l"/>
-            </a:pPr>
-            <a:endParaRPr lang="en-US" altLang="ja-JP" dirty="0"/>
-          </a:p>
-          <a:p>
-            <a:pPr>
-              <a:buFont typeface="Wingdings" panose="05000000000000000000" pitchFamily="2" charset="2"/>
-              <a:buChar char="l"/>
-            </a:pPr>
-            <a:r>
-              <a:rPr lang="ja-JP" altLang="en-US" dirty="0"/>
-              <a:t>ポリモーフィズム（多様性・多態）</a:t>
-            </a:r>
-            <a:endParaRPr lang="en-US" altLang="ja-JP" dirty="0"/>
-          </a:p>
-          <a:p>
-            <a:pPr lvl="1">
-              <a:buFont typeface="Wingdings" panose="05000000000000000000" pitchFamily="2" charset="2"/>
-              <a:buChar char="l"/>
-            </a:pPr>
-            <a:r>
-              <a:rPr lang="ja-JP" altLang="en-US" dirty="0"/>
-              <a:t>呼び出す側を共通化する</a:t>
-            </a:r>
-            <a:endParaRPr lang="en-US" altLang="ja-JP" dirty="0"/>
-          </a:p>
-          <a:p>
-            <a:pPr lvl="1">
-              <a:buFont typeface="Wingdings" panose="05000000000000000000" pitchFamily="2" charset="2"/>
-              <a:buChar char="l"/>
-            </a:pPr>
-            <a:endParaRPr lang="en-US" altLang="ja-JP" dirty="0"/>
-          </a:p>
-          <a:p>
-            <a:pPr>
-              <a:buFont typeface="Wingdings" panose="05000000000000000000" pitchFamily="2" charset="2"/>
-              <a:buChar char="l"/>
-            </a:pPr>
-            <a:r>
-              <a:rPr lang="ja-JP" altLang="en-US" dirty="0"/>
-              <a:t>継承</a:t>
-            </a:r>
-            <a:endParaRPr lang="en-US" altLang="ja-JP" dirty="0"/>
-          </a:p>
-          <a:p>
-            <a:pPr lvl="1">
-              <a:buFont typeface="Wingdings" panose="05000000000000000000" pitchFamily="2" charset="2"/>
-              <a:buChar char="l"/>
-            </a:pPr>
-            <a:r>
-              <a:rPr lang="ja-JP" altLang="en-US" dirty="0"/>
-              <a:t>クラス定義の重複を排除する</a:t>
-            </a:r>
-          </a:p>
-        </p:txBody>
-      </p:sp>
-    </p:spTree>
-    <p:extLst>
-      <p:ext uri="{BB962C8B-B14F-4D97-AF65-F5344CB8AC3E}">
-        <p14:creationId xmlns:p14="http://schemas.microsoft.com/office/powerpoint/2010/main" val="502312544"/>
-      </p:ext>
-    </p:extLst>
-  </p:cSld>
-  <p:clrMapOvr>
-    <a:masterClrMapping/>
-  </p:clrMapOvr>
-</p:sld>
-</file>
-
-<file path=ppt/slides/slide4.xml><?xml version="1.0" encoding="utf-8"?>
-<p:sld xmlns:a="http://schemas.openxmlformats.org/drawingml/2006/main" xmlns:r="http://schemas.openxmlformats.org/officeDocument/2006/relationships" xmlns:p="http://schemas.openxmlformats.org/presentationml/2006/main">
-  <p:cSld>
-    <p:spTree>
-      <p:nvGrpSpPr>
-        <p:cNvPr id="1" name="">
-          <a:extLst>
-            <a:ext uri="{FF2B5EF4-FFF2-40B4-BE49-F238E27FC236}">
-              <a16:creationId xmlns:a16="http://schemas.microsoft.com/office/drawing/2014/main" id="{2E0E07E3-1B09-367C-DDAC-78B4285B48F6}"/>
-            </a:ext>
-          </a:extLst>
-        </p:cNvPr>
-        <p:cNvGrpSpPr/>
-        <p:nvPr/>
-      </p:nvGrpSpPr>
-      <p:grpSpPr>
-        <a:xfrm>
-          <a:off x="0" y="0"/>
-          <a:ext cx="0" cy="0"/>
-          <a:chOff x="0" y="0"/>
-          <a:chExt cx="0" cy="0"/>
-        </a:xfrm>
-      </p:grpSpPr>
-      <p:sp>
-        <p:nvSpPr>
-          <p:cNvPr id="2" name="タイトル 1">
-            <a:extLst>
-              <a:ext uri="{FF2B5EF4-FFF2-40B4-BE49-F238E27FC236}">
-                <a16:creationId xmlns:a16="http://schemas.microsoft.com/office/drawing/2014/main" id="{C1C4982B-BC3A-D6CF-E3B5-60C95AD63E08}"/>
-              </a:ext>
-            </a:extLst>
-          </p:cNvPr>
-          <p:cNvSpPr>
-            <a:spLocks noGrp="1"/>
-          </p:cNvSpPr>
-          <p:nvPr>
-            <p:ph type="title"/>
-          </p:nvPr>
-        </p:nvSpPr>
-        <p:spPr/>
-        <p:txBody>
-          <a:bodyPr>
-            <a:normAutofit/>
-          </a:bodyPr>
-          <a:lstStyle/>
-          <a:p>
-            <a:r>
-              <a:rPr lang="ja-JP" altLang="en-US" sz="3600" dirty="0"/>
-              <a:t>クラス</a:t>
-            </a:r>
-            <a:endParaRPr kumimoji="1" lang="ja-JP" altLang="en-US" sz="3600" dirty="0"/>
-          </a:p>
-        </p:txBody>
-      </p:sp>
-      <p:sp>
-        <p:nvSpPr>
-          <p:cNvPr id="3" name="コンテンツ プレースホルダー 2">
-            <a:extLst>
-              <a:ext uri="{FF2B5EF4-FFF2-40B4-BE49-F238E27FC236}">
-                <a16:creationId xmlns:a16="http://schemas.microsoft.com/office/drawing/2014/main" id="{DD53FF5D-E9CC-E595-2B49-9FD96365E089}"/>
-              </a:ext>
-            </a:extLst>
-          </p:cNvPr>
-          <p:cNvSpPr>
-            <a:spLocks noGrp="1"/>
-          </p:cNvSpPr>
-          <p:nvPr>
-            <p:ph idx="1"/>
-          </p:nvPr>
-        </p:nvSpPr>
-        <p:spPr>
-          <a:xfrm>
-            <a:off x="838200" y="1466397"/>
-            <a:ext cx="10515600" cy="5146674"/>
-          </a:xfrm>
-        </p:spPr>
-        <p:txBody>
-          <a:bodyPr>
-            <a:normAutofit/>
-          </a:bodyPr>
-          <a:lstStyle/>
-          <a:p>
-            <a:pPr>
-              <a:buFont typeface="Wingdings" panose="05000000000000000000" pitchFamily="2" charset="2"/>
-              <a:buChar char="l"/>
-            </a:pPr>
-            <a:endParaRPr lang="ja-JP" altLang="en-US" dirty="0"/>
-          </a:p>
-        </p:txBody>
-      </p:sp>
-    </p:spTree>
-    <p:extLst>
-      <p:ext uri="{BB962C8B-B14F-4D97-AF65-F5344CB8AC3E}">
-        <p14:creationId xmlns:p14="http://schemas.microsoft.com/office/powerpoint/2010/main" val="1350614235"/>
-      </p:ext>
-    </p:extLst>
-  </p:cSld>
-  <p:clrMapOvr>
-    <a:masterClrMapping/>
-  </p:clrMapOvr>
-</p:sld>
-</file>
-
-<file path=ppt/slides/slide5.xml><?xml version="1.0" encoding="utf-8"?>
-<p:sld xmlns:a="http://schemas.openxmlformats.org/drawingml/2006/main" xmlns:r="http://schemas.openxmlformats.org/officeDocument/2006/relationships" xmlns:p="http://schemas.openxmlformats.org/presentationml/2006/main">
-  <p:cSld>
-    <p:spTree>
-      <p:nvGrpSpPr>
-        <p:cNvPr id="1" name="">
-          <a:extLst>
-            <a:ext uri="{FF2B5EF4-FFF2-40B4-BE49-F238E27FC236}">
-              <a16:creationId xmlns:a16="http://schemas.microsoft.com/office/drawing/2014/main" id="{2E0E07E3-1B09-367C-DDAC-78B4285B48F6}"/>
-            </a:ext>
-          </a:extLst>
-        </p:cNvPr>
-        <p:cNvGrpSpPr/>
-        <p:nvPr/>
-      </p:nvGrpSpPr>
-      <p:grpSpPr>
-        <a:xfrm>
-          <a:off x="0" y="0"/>
-          <a:ext cx="0" cy="0"/>
-          <a:chOff x="0" y="0"/>
-          <a:chExt cx="0" cy="0"/>
-        </a:xfrm>
-      </p:grpSpPr>
-      <p:sp>
-        <p:nvSpPr>
-          <p:cNvPr id="2" name="タイトル 1">
-            <a:extLst>
-              <a:ext uri="{FF2B5EF4-FFF2-40B4-BE49-F238E27FC236}">
-                <a16:creationId xmlns:a16="http://schemas.microsoft.com/office/drawing/2014/main" id="{C1C4982B-BC3A-D6CF-E3B5-60C95AD63E08}"/>
-              </a:ext>
-            </a:extLst>
-          </p:cNvPr>
-          <p:cNvSpPr>
-            <a:spLocks noGrp="1"/>
-          </p:cNvSpPr>
-          <p:nvPr>
-            <p:ph type="title"/>
-          </p:nvPr>
-        </p:nvSpPr>
-        <p:spPr/>
-        <p:txBody>
-          <a:bodyPr>
-            <a:normAutofit/>
-          </a:bodyPr>
-          <a:lstStyle/>
-          <a:p>
-            <a:r>
-              <a:rPr lang="ja-JP" altLang="en-US" sz="3600" dirty="0"/>
-              <a:t>ポリモーフィズム（多様性・多態）</a:t>
-            </a:r>
-            <a:endParaRPr kumimoji="1" lang="ja-JP" altLang="en-US" sz="3600" dirty="0"/>
-          </a:p>
-        </p:txBody>
-      </p:sp>
-      <p:sp>
-        <p:nvSpPr>
-          <p:cNvPr id="3" name="コンテンツ プレースホルダー 2">
-            <a:extLst>
-              <a:ext uri="{FF2B5EF4-FFF2-40B4-BE49-F238E27FC236}">
-                <a16:creationId xmlns:a16="http://schemas.microsoft.com/office/drawing/2014/main" id="{DD53FF5D-E9CC-E595-2B49-9FD96365E089}"/>
-              </a:ext>
-            </a:extLst>
-          </p:cNvPr>
-          <p:cNvSpPr>
-            <a:spLocks noGrp="1"/>
-          </p:cNvSpPr>
-          <p:nvPr>
-            <p:ph idx="1"/>
-          </p:nvPr>
-        </p:nvSpPr>
-        <p:spPr>
-          <a:xfrm>
-            <a:off x="838200" y="1466397"/>
-            <a:ext cx="10515600" cy="5146674"/>
-          </a:xfrm>
-        </p:spPr>
-        <p:txBody>
-          <a:bodyPr>
-            <a:normAutofit/>
-          </a:bodyPr>
-          <a:lstStyle/>
-          <a:p>
-            <a:pPr>
-              <a:buFont typeface="Wingdings" panose="05000000000000000000" pitchFamily="2" charset="2"/>
-              <a:buChar char="l"/>
-            </a:pPr>
-            <a:endParaRPr lang="ja-JP" altLang="en-US" dirty="0"/>
-          </a:p>
-        </p:txBody>
-      </p:sp>
-    </p:spTree>
-    <p:extLst>
-      <p:ext uri="{BB962C8B-B14F-4D97-AF65-F5344CB8AC3E}">
-        <p14:creationId xmlns:p14="http://schemas.microsoft.com/office/powerpoint/2010/main" val="638723530"/>
-      </p:ext>
-    </p:extLst>
-  </p:cSld>
-  <p:clrMapOvr>
-    <a:masterClrMapping/>
-  </p:clrMapOvr>
-</p:sld>
-</file>
-
-<file path=ppt/slides/slide6.xml><?xml version="1.0" encoding="utf-8"?>
-<p:sld xmlns:a="http://schemas.openxmlformats.org/drawingml/2006/main" xmlns:r="http://schemas.openxmlformats.org/officeDocument/2006/relationships" xmlns:p="http://schemas.openxmlformats.org/presentationml/2006/main">
-  <p:cSld>
-    <p:spTree>
-      <p:nvGrpSpPr>
-        <p:cNvPr id="1" name="">
-          <a:extLst>
-            <a:ext uri="{FF2B5EF4-FFF2-40B4-BE49-F238E27FC236}">
-              <a16:creationId xmlns:a16="http://schemas.microsoft.com/office/drawing/2014/main" id="{2E0E07E3-1B09-367C-DDAC-78B4285B48F6}"/>
-            </a:ext>
-          </a:extLst>
-        </p:cNvPr>
-        <p:cNvGrpSpPr/>
-        <p:nvPr/>
-      </p:nvGrpSpPr>
-      <p:grpSpPr>
-        <a:xfrm>
-          <a:off x="0" y="0"/>
-          <a:ext cx="0" cy="0"/>
-          <a:chOff x="0" y="0"/>
-          <a:chExt cx="0" cy="0"/>
-        </a:xfrm>
-      </p:grpSpPr>
-      <p:sp>
-        <p:nvSpPr>
-          <p:cNvPr id="2" name="タイトル 1">
-            <a:extLst>
-              <a:ext uri="{FF2B5EF4-FFF2-40B4-BE49-F238E27FC236}">
-                <a16:creationId xmlns:a16="http://schemas.microsoft.com/office/drawing/2014/main" id="{C1C4982B-BC3A-D6CF-E3B5-60C95AD63E08}"/>
-              </a:ext>
-            </a:extLst>
-          </p:cNvPr>
-          <p:cNvSpPr>
-            <a:spLocks noGrp="1"/>
-          </p:cNvSpPr>
-          <p:nvPr>
-            <p:ph type="title"/>
-          </p:nvPr>
-        </p:nvSpPr>
-        <p:spPr/>
-        <p:txBody>
-          <a:bodyPr>
-            <a:normAutofit/>
-          </a:bodyPr>
-          <a:lstStyle/>
-          <a:p>
-            <a:r>
-              <a:rPr kumimoji="1" lang="ja-JP" altLang="en-US" sz="3600" dirty="0"/>
-              <a:t>継承</a:t>
-            </a:r>
-          </a:p>
-        </p:txBody>
-      </p:sp>
-      <p:sp>
-        <p:nvSpPr>
-          <p:cNvPr id="3" name="コンテンツ プレースホルダー 2">
-            <a:extLst>
-              <a:ext uri="{FF2B5EF4-FFF2-40B4-BE49-F238E27FC236}">
-                <a16:creationId xmlns:a16="http://schemas.microsoft.com/office/drawing/2014/main" id="{DD53FF5D-E9CC-E595-2B49-9FD96365E089}"/>
-              </a:ext>
-            </a:extLst>
-          </p:cNvPr>
-          <p:cNvSpPr>
-            <a:spLocks noGrp="1"/>
-          </p:cNvSpPr>
-          <p:nvPr>
-            <p:ph idx="1"/>
-          </p:nvPr>
-        </p:nvSpPr>
-        <p:spPr>
-          <a:xfrm>
-            <a:off x="838200" y="1466397"/>
-            <a:ext cx="10515600" cy="5146674"/>
-          </a:xfrm>
-        </p:spPr>
-        <p:txBody>
-          <a:bodyPr>
-            <a:normAutofit/>
-          </a:bodyPr>
-          <a:lstStyle/>
-          <a:p>
-            <a:pPr>
-              <a:buFont typeface="Wingdings" panose="05000000000000000000" pitchFamily="2" charset="2"/>
-              <a:buChar char="l"/>
-            </a:pPr>
-            <a:endParaRPr lang="ja-JP" altLang="en-US" dirty="0"/>
-          </a:p>
-        </p:txBody>
-      </p:sp>
-    </p:spTree>
-    <p:extLst>
-      <p:ext uri="{BB962C8B-B14F-4D97-AF65-F5344CB8AC3E}">
-        <p14:creationId xmlns:p14="http://schemas.microsoft.com/office/powerpoint/2010/main" val="282443846"/>
-      </p:ext>
-    </p:extLst>
-  </p:cSld>
-  <p:clrMapOvr>
-    <a:masterClrMapping/>
-  </p:clrMapOvr>
-</p:sld>
-</file>
-
-<file path=ppt/slides/slide7.xml><?xml version="1.0" encoding="utf-8"?>
+<file path=ppt/slides/slide10.xml><?xml version="1.0" encoding="utf-8"?>
 <p:sld xmlns:a="http://schemas.openxmlformats.org/drawingml/2006/main" xmlns:r="http://schemas.openxmlformats.org/officeDocument/2006/relationships" xmlns:p="http://schemas.openxmlformats.org/presentationml/2006/main">
   <p:cSld>
     <p:spTree>
@@ -6288,110 +5702,6 @@
             </a:r>
             <a:r>
               <a:rPr lang="ja-JP" altLang="en-US" sz="3600" dirty="0"/>
-              <a:t>について</a:t>
-            </a:r>
-            <a:endParaRPr kumimoji="1" lang="ja-JP" altLang="en-US" sz="3600" dirty="0"/>
-          </a:p>
-        </p:txBody>
-      </p:sp>
-      <p:sp>
-        <p:nvSpPr>
-          <p:cNvPr id="35" name="コンテンツ プレースホルダー 34">
-            <a:extLst>
-              <a:ext uri="{FF2B5EF4-FFF2-40B4-BE49-F238E27FC236}">
-                <a16:creationId xmlns:a16="http://schemas.microsoft.com/office/drawing/2014/main" id="{C0E72496-F85F-8447-B573-9737EA56F063}"/>
-              </a:ext>
-            </a:extLst>
-          </p:cNvPr>
-          <p:cNvSpPr>
-            <a:spLocks noGrp="1"/>
-          </p:cNvSpPr>
-          <p:nvPr>
-            <p:ph idx="1"/>
-          </p:nvPr>
-        </p:nvSpPr>
-        <p:spPr/>
-        <p:txBody>
-          <a:bodyPr/>
-          <a:lstStyle/>
-          <a:p>
-            <a:endParaRPr lang="ja-JP" altLang="en-US" dirty="0"/>
-          </a:p>
-        </p:txBody>
-      </p:sp>
-    </p:spTree>
-    <p:extLst>
-      <p:ext uri="{BB962C8B-B14F-4D97-AF65-F5344CB8AC3E}">
-        <p14:creationId xmlns:p14="http://schemas.microsoft.com/office/powerpoint/2010/main" val="3121619790"/>
-      </p:ext>
-    </p:extLst>
-  </p:cSld>
-  <p:clrMapOvr>
-    <a:masterClrMapping/>
-  </p:clrMapOvr>
-</p:sld>
-</file>
-
-<file path=ppt/slides/slide8.xml><?xml version="1.0" encoding="utf-8"?>
-<p:sld xmlns:a="http://schemas.openxmlformats.org/drawingml/2006/main" xmlns:r="http://schemas.openxmlformats.org/officeDocument/2006/relationships" xmlns:p="http://schemas.openxmlformats.org/presentationml/2006/main">
-  <p:cSld>
-    <p:spTree>
-      <p:nvGrpSpPr>
-        <p:cNvPr id="1" name="">
-          <a:extLst>
-            <a:ext uri="{FF2B5EF4-FFF2-40B4-BE49-F238E27FC236}">
-              <a16:creationId xmlns:a16="http://schemas.microsoft.com/office/drawing/2014/main" id="{D5DEC7B6-945C-D6E2-0949-749707BB4D38}"/>
-            </a:ext>
-          </a:extLst>
-        </p:cNvPr>
-        <p:cNvGrpSpPr/>
-        <p:nvPr/>
-      </p:nvGrpSpPr>
-      <p:grpSpPr>
-        <a:xfrm>
-          <a:off x="0" y="0"/>
-          <a:ext cx="0" cy="0"/>
-          <a:chOff x="0" y="0"/>
-          <a:chExt cx="0" cy="0"/>
-        </a:xfrm>
-      </p:grpSpPr>
-      <p:sp>
-        <p:nvSpPr>
-          <p:cNvPr id="2" name="タイトル 1">
-            <a:extLst>
-              <a:ext uri="{FF2B5EF4-FFF2-40B4-BE49-F238E27FC236}">
-                <a16:creationId xmlns:a16="http://schemas.microsoft.com/office/drawing/2014/main" id="{0B927373-9DA8-EA30-70C7-7407D3117FF4}"/>
-              </a:ext>
-            </a:extLst>
-          </p:cNvPr>
-          <p:cNvSpPr>
-            <a:spLocks noGrp="1"/>
-          </p:cNvSpPr>
-          <p:nvPr>
-            <p:ph type="title"/>
-          </p:nvPr>
-        </p:nvSpPr>
-        <p:spPr/>
-        <p:txBody>
-          <a:bodyPr>
-            <a:normAutofit/>
-          </a:bodyPr>
-          <a:lstStyle/>
-          <a:p>
-            <a:r>
-              <a:rPr lang="en-US" altLang="ja-JP" sz="3600" dirty="0"/>
-              <a:t>【</a:t>
-            </a:r>
-            <a:r>
-              <a:rPr lang="en-US" altLang="ja-JP" sz="3600" dirty="0" err="1"/>
-              <a:t>AOSP】Android</a:t>
-            </a:r>
-            <a:r>
-              <a:rPr lang="en-US" altLang="ja-JP" sz="3600" dirty="0"/>
-              <a:t> View </a:t>
-            </a:r>
-            <a:r>
-              <a:rPr lang="ja-JP" altLang="en-US" sz="3600" dirty="0"/>
               <a:t>クラス継承構造</a:t>
             </a:r>
             <a:endParaRPr kumimoji="1" lang="ja-JP" altLang="en-US" sz="3600" dirty="0"/>
@@ -6756,7 +6066,7 @@
 </p:sld>
 </file>
 
-<file path=ppt/slides/slide9.xml><?xml version="1.0" encoding="utf-8"?>
+<file path=ppt/slides/slide11.xml><?xml version="1.0" encoding="utf-8"?>
 <p:sld xmlns:a="http://schemas.openxmlformats.org/drawingml/2006/main" xmlns:r="http://schemas.openxmlformats.org/officeDocument/2006/relationships" xmlns:p="http://schemas.openxmlformats.org/presentationml/2006/main">
   <p:cSld>
     <p:spTree>
@@ -7725,7 +7035,1109 @@
     </p:spTree>
     <p:extLst>
       <p:ext uri="{BB962C8B-B14F-4D97-AF65-F5344CB8AC3E}">
+        <p14:creationId xmlns:p14="http://schemas.microsoft.com/office/powerpoint/2010/main" val="2454626395"/>
+      </p:ext>
+    </p:extLst>
+  </p:cSld>
+  <p:clrMapOvr>
+    <a:masterClrMapping/>
+  </p:clrMapOvr>
+</p:sld>
+</file>
+
+<file path=ppt/slides/slide12.xml><?xml version="1.0" encoding="utf-8"?>
+<p:sld xmlns:a="http://schemas.openxmlformats.org/drawingml/2006/main" xmlns:r="http://schemas.openxmlformats.org/officeDocument/2006/relationships" xmlns:p="http://schemas.openxmlformats.org/presentationml/2006/main">
+  <p:cSld>
+    <p:spTree>
+      <p:nvGrpSpPr>
+        <p:cNvPr id="1" name="">
+          <a:extLst>
+            <a:ext uri="{FF2B5EF4-FFF2-40B4-BE49-F238E27FC236}">
+              <a16:creationId xmlns:a16="http://schemas.microsoft.com/office/drawing/2014/main" id="{D5DEC7B6-945C-D6E2-0949-749707BB4D38}"/>
+            </a:ext>
+          </a:extLst>
+        </p:cNvPr>
+        <p:cNvGrpSpPr/>
+        <p:nvPr/>
+      </p:nvGrpSpPr>
+      <p:grpSpPr>
+        <a:xfrm>
+          <a:off x="0" y="0"/>
+          <a:ext cx="0" cy="0"/>
+          <a:chOff x="0" y="0"/>
+          <a:chExt cx="0" cy="0"/>
+        </a:xfrm>
+      </p:grpSpPr>
+      <p:sp>
+        <p:nvSpPr>
+          <p:cNvPr id="2" name="タイトル 1">
+            <a:extLst>
+              <a:ext uri="{FF2B5EF4-FFF2-40B4-BE49-F238E27FC236}">
+                <a16:creationId xmlns:a16="http://schemas.microsoft.com/office/drawing/2014/main" id="{0B927373-9DA8-EA30-70C7-7407D3117FF4}"/>
+              </a:ext>
+            </a:extLst>
+          </p:cNvPr>
+          <p:cNvSpPr>
+            <a:spLocks noGrp="1"/>
+          </p:cNvSpPr>
+          <p:nvPr>
+            <p:ph type="title"/>
+          </p:nvPr>
+        </p:nvSpPr>
+        <p:spPr>
+          <a:xfrm>
+            <a:off x="649357" y="49946"/>
+            <a:ext cx="10515600" cy="1325563"/>
+          </a:xfrm>
+        </p:spPr>
+        <p:txBody>
+          <a:bodyPr>
+            <a:normAutofit/>
+          </a:bodyPr>
+          <a:lstStyle/>
+          <a:p>
+            <a:r>
+              <a:rPr lang="en-US" altLang="ja-JP" sz="3600" dirty="0"/>
+              <a:t>Java</a:t>
+            </a:r>
+            <a:r>
+              <a:rPr lang="ja-JP" altLang="en-US" sz="3600" dirty="0"/>
+              <a:t>言語について</a:t>
+            </a:r>
+            <a:endParaRPr kumimoji="1" lang="ja-JP" altLang="en-US" sz="3600" dirty="0"/>
+          </a:p>
+        </p:txBody>
+      </p:sp>
+      <p:sp>
+        <p:nvSpPr>
+          <p:cNvPr id="9" name="コンテンツ プレースホルダー 8">
+            <a:extLst>
+              <a:ext uri="{FF2B5EF4-FFF2-40B4-BE49-F238E27FC236}">
+                <a16:creationId xmlns:a16="http://schemas.microsoft.com/office/drawing/2014/main" id="{49D387B4-CA13-E225-DDCA-F3FF1CFE00B7}"/>
+              </a:ext>
+            </a:extLst>
+          </p:cNvPr>
+          <p:cNvSpPr>
+            <a:spLocks noGrp="1"/>
+          </p:cNvSpPr>
+          <p:nvPr>
+            <p:ph idx="1"/>
+          </p:nvPr>
+        </p:nvSpPr>
+        <p:spPr/>
+        <p:txBody>
+          <a:bodyPr/>
+          <a:lstStyle/>
+          <a:p>
+            <a:endParaRPr lang="ja-JP" altLang="en-US"/>
+          </a:p>
+        </p:txBody>
+      </p:sp>
+    </p:spTree>
+    <p:extLst>
+      <p:ext uri="{BB962C8B-B14F-4D97-AF65-F5344CB8AC3E}">
         <p14:creationId xmlns:p14="http://schemas.microsoft.com/office/powerpoint/2010/main" val="1665867130"/>
+      </p:ext>
+    </p:extLst>
+  </p:cSld>
+  <p:clrMapOvr>
+    <a:masterClrMapping/>
+  </p:clrMapOvr>
+</p:sld>
+</file>
+
+<file path=ppt/slides/slide2.xml><?xml version="1.0" encoding="utf-8"?>
+<p:sld xmlns:a="http://schemas.openxmlformats.org/drawingml/2006/main" xmlns:r="http://schemas.openxmlformats.org/officeDocument/2006/relationships" xmlns:p="http://schemas.openxmlformats.org/presentationml/2006/main">
+  <p:cSld>
+    <p:spTree>
+      <p:nvGrpSpPr>
+        <p:cNvPr id="1" name=""/>
+        <p:cNvGrpSpPr/>
+        <p:nvPr/>
+      </p:nvGrpSpPr>
+      <p:grpSpPr>
+        <a:xfrm>
+          <a:off x="0" y="0"/>
+          <a:ext cx="0" cy="0"/>
+          <a:chOff x="0" y="0"/>
+          <a:chExt cx="0" cy="0"/>
+        </a:xfrm>
+      </p:grpSpPr>
+      <p:sp>
+        <p:nvSpPr>
+          <p:cNvPr id="2" name="タイトル 1">
+            <a:extLst>
+              <a:ext uri="{FF2B5EF4-FFF2-40B4-BE49-F238E27FC236}">
+                <a16:creationId xmlns:a16="http://schemas.microsoft.com/office/drawing/2014/main" id="{9C784ACA-9376-15C6-DD93-68B5D582FADA}"/>
+              </a:ext>
+            </a:extLst>
+          </p:cNvPr>
+          <p:cNvSpPr>
+            <a:spLocks noGrp="1"/>
+          </p:cNvSpPr>
+          <p:nvPr>
+            <p:ph type="title"/>
+          </p:nvPr>
+        </p:nvSpPr>
+        <p:spPr/>
+        <p:txBody>
+          <a:bodyPr>
+            <a:normAutofit/>
+          </a:bodyPr>
+          <a:lstStyle/>
+          <a:p>
+            <a:r>
+              <a:rPr lang="ja-JP" altLang="en-US" sz="3600" dirty="0"/>
+              <a:t>オブジェクト指向プログラミング</a:t>
+            </a:r>
+            <a:r>
+              <a:rPr lang="en-US" altLang="ja-JP" sz="3600" dirty="0"/>
+              <a:t>(OOP)</a:t>
+            </a:r>
+            <a:r>
+              <a:rPr lang="ja-JP" altLang="en-US" sz="3600" dirty="0"/>
+              <a:t>とは？</a:t>
+            </a:r>
+            <a:endParaRPr kumimoji="1" lang="ja-JP" altLang="en-US" sz="3600" dirty="0"/>
+          </a:p>
+        </p:txBody>
+      </p:sp>
+      <p:sp>
+        <p:nvSpPr>
+          <p:cNvPr id="3" name="コンテンツ プレースホルダー 2">
+            <a:extLst>
+              <a:ext uri="{FF2B5EF4-FFF2-40B4-BE49-F238E27FC236}">
+                <a16:creationId xmlns:a16="http://schemas.microsoft.com/office/drawing/2014/main" id="{37025C41-8921-578C-16F8-6B5CF0A93AE0}"/>
+              </a:ext>
+            </a:extLst>
+          </p:cNvPr>
+          <p:cNvSpPr>
+            <a:spLocks noGrp="1"/>
+          </p:cNvSpPr>
+          <p:nvPr>
+            <p:ph idx="1"/>
+          </p:nvPr>
+        </p:nvSpPr>
+        <p:spPr/>
+        <p:txBody>
+          <a:bodyPr>
+            <a:normAutofit/>
+          </a:bodyPr>
+          <a:lstStyle/>
+          <a:p>
+            <a:pPr marL="0" indent="0">
+              <a:buNone/>
+            </a:pPr>
+            <a:r>
+              <a:rPr lang="ja-JP" altLang="en-US" dirty="0"/>
+              <a:t>✅ソフトの保守や再利用をしやすくすることを重視する技術</a:t>
+            </a:r>
+            <a:endParaRPr lang="en-US" altLang="ja-JP" dirty="0"/>
+          </a:p>
+          <a:p>
+            <a:pPr marL="0" indent="0">
+              <a:buNone/>
+            </a:pPr>
+            <a:endParaRPr lang="en-US" altLang="ja-JP" dirty="0"/>
+          </a:p>
+          <a:p>
+            <a:pPr marL="0" indent="0">
+              <a:buNone/>
+            </a:pPr>
+            <a:r>
+              <a:rPr lang="ja-JP" altLang="en-US" dirty="0"/>
+              <a:t>✅個々の部品により強く着目し、部品の独立性を高め、それらを組み上げてシステムを実現することが基本的な考え方</a:t>
+            </a:r>
+            <a:endParaRPr lang="en-US" altLang="ja-JP" dirty="0"/>
+          </a:p>
+          <a:p>
+            <a:pPr marL="0" indent="0">
+              <a:buNone/>
+            </a:pPr>
+            <a:endParaRPr lang="en-US" altLang="ja-JP" dirty="0"/>
+          </a:p>
+          <a:p>
+            <a:pPr marL="0" indent="0">
+              <a:buNone/>
+            </a:pPr>
+            <a:r>
+              <a:rPr lang="ja-JP" altLang="en-US" dirty="0"/>
+              <a:t>✅部品の独立性を高めることで、修正が起きた場合の影響範囲を最小限にして、他のシステムで容易に再利用できるようにする</a:t>
+            </a:r>
+          </a:p>
+        </p:txBody>
+      </p:sp>
+    </p:spTree>
+    <p:extLst>
+      <p:ext uri="{BB962C8B-B14F-4D97-AF65-F5344CB8AC3E}">
+        <p14:creationId xmlns:p14="http://schemas.microsoft.com/office/powerpoint/2010/main" val="4019972730"/>
+      </p:ext>
+    </p:extLst>
+  </p:cSld>
+  <p:clrMapOvr>
+    <a:masterClrMapping/>
+  </p:clrMapOvr>
+</p:sld>
+</file>
+
+<file path=ppt/slides/slide3.xml><?xml version="1.0" encoding="utf-8"?>
+<p:sld xmlns:a="http://schemas.openxmlformats.org/drawingml/2006/main" xmlns:r="http://schemas.openxmlformats.org/officeDocument/2006/relationships" xmlns:p="http://schemas.openxmlformats.org/presentationml/2006/main">
+  <p:cSld>
+    <p:spTree>
+      <p:nvGrpSpPr>
+        <p:cNvPr id="1" name="">
+          <a:extLst>
+            <a:ext uri="{FF2B5EF4-FFF2-40B4-BE49-F238E27FC236}">
+              <a16:creationId xmlns:a16="http://schemas.microsoft.com/office/drawing/2014/main" id="{2E0E07E3-1B09-367C-DDAC-78B4285B48F6}"/>
+            </a:ext>
+          </a:extLst>
+        </p:cNvPr>
+        <p:cNvGrpSpPr/>
+        <p:nvPr/>
+      </p:nvGrpSpPr>
+      <p:grpSpPr>
+        <a:xfrm>
+          <a:off x="0" y="0"/>
+          <a:ext cx="0" cy="0"/>
+          <a:chOff x="0" y="0"/>
+          <a:chExt cx="0" cy="0"/>
+        </a:xfrm>
+      </p:grpSpPr>
+      <p:sp>
+        <p:nvSpPr>
+          <p:cNvPr id="2" name="タイトル 1">
+            <a:extLst>
+              <a:ext uri="{FF2B5EF4-FFF2-40B4-BE49-F238E27FC236}">
+                <a16:creationId xmlns:a16="http://schemas.microsoft.com/office/drawing/2014/main" id="{C1C4982B-BC3A-D6CF-E3B5-60C95AD63E08}"/>
+              </a:ext>
+            </a:extLst>
+          </p:cNvPr>
+          <p:cNvSpPr>
+            <a:spLocks noGrp="1"/>
+          </p:cNvSpPr>
+          <p:nvPr>
+            <p:ph type="title"/>
+          </p:nvPr>
+        </p:nvSpPr>
+        <p:spPr/>
+        <p:txBody>
+          <a:bodyPr>
+            <a:normAutofit/>
+          </a:bodyPr>
+          <a:lstStyle/>
+          <a:p>
+            <a:r>
+              <a:rPr kumimoji="1" lang="ja-JP" altLang="en-US" sz="3600" dirty="0"/>
+              <a:t>オブジェクト指向</a:t>
+            </a:r>
+            <a:r>
+              <a:rPr lang="ja-JP" altLang="en-US" sz="3600" dirty="0"/>
+              <a:t>の主要概念</a:t>
+            </a:r>
+            <a:endParaRPr kumimoji="1" lang="ja-JP" altLang="en-US" sz="3600" dirty="0"/>
+          </a:p>
+        </p:txBody>
+      </p:sp>
+      <p:sp>
+        <p:nvSpPr>
+          <p:cNvPr id="3" name="コンテンツ プレースホルダー 2">
+            <a:extLst>
+              <a:ext uri="{FF2B5EF4-FFF2-40B4-BE49-F238E27FC236}">
+                <a16:creationId xmlns:a16="http://schemas.microsoft.com/office/drawing/2014/main" id="{DD53FF5D-E9CC-E595-2B49-9FD96365E089}"/>
+              </a:ext>
+            </a:extLst>
+          </p:cNvPr>
+          <p:cNvSpPr>
+            <a:spLocks noGrp="1"/>
+          </p:cNvSpPr>
+          <p:nvPr>
+            <p:ph idx="1"/>
+          </p:nvPr>
+        </p:nvSpPr>
+        <p:spPr>
+          <a:xfrm>
+            <a:off x="838200" y="1466397"/>
+            <a:ext cx="10515600" cy="5146674"/>
+          </a:xfrm>
+        </p:spPr>
+        <p:txBody>
+          <a:bodyPr>
+            <a:normAutofit/>
+          </a:bodyPr>
+          <a:lstStyle/>
+          <a:p>
+            <a:pPr marL="0" indent="0">
+              <a:buNone/>
+            </a:pPr>
+            <a:endParaRPr lang="en-US" altLang="ja-JP" dirty="0"/>
+          </a:p>
+          <a:p>
+            <a:pPr>
+              <a:buFont typeface="Wingdings" panose="05000000000000000000" pitchFamily="2" charset="2"/>
+              <a:buChar char="l"/>
+            </a:pPr>
+            <a:r>
+              <a:rPr lang="ja-JP" altLang="en-US" dirty="0"/>
+              <a:t>カプセル化</a:t>
+            </a:r>
+            <a:endParaRPr lang="en-US" altLang="ja-JP" dirty="0"/>
+          </a:p>
+          <a:p>
+            <a:pPr>
+              <a:buFont typeface="Wingdings" panose="05000000000000000000" pitchFamily="2" charset="2"/>
+              <a:buChar char="l"/>
+            </a:pPr>
+            <a:endParaRPr lang="en-US" altLang="ja-JP" dirty="0"/>
+          </a:p>
+          <a:p>
+            <a:pPr>
+              <a:buFont typeface="Wingdings" panose="05000000000000000000" pitchFamily="2" charset="2"/>
+              <a:buChar char="l"/>
+            </a:pPr>
+            <a:r>
+              <a:rPr lang="ja-JP" altLang="en-US" dirty="0"/>
+              <a:t>継承</a:t>
+            </a:r>
+            <a:endParaRPr lang="en-US" altLang="ja-JP" dirty="0"/>
+          </a:p>
+          <a:p>
+            <a:pPr>
+              <a:buFont typeface="Wingdings" panose="05000000000000000000" pitchFamily="2" charset="2"/>
+              <a:buChar char="l"/>
+            </a:pPr>
+            <a:endParaRPr lang="en-US" altLang="ja-JP" dirty="0"/>
+          </a:p>
+          <a:p>
+            <a:pPr>
+              <a:buFont typeface="Wingdings" panose="05000000000000000000" pitchFamily="2" charset="2"/>
+              <a:buChar char="l"/>
+            </a:pPr>
+            <a:r>
+              <a:rPr lang="ja-JP" altLang="en-US" dirty="0"/>
+              <a:t>ポリモーフィズム</a:t>
+            </a:r>
+            <a:endParaRPr lang="en-US" altLang="ja-JP" dirty="0"/>
+          </a:p>
+          <a:p>
+            <a:pPr>
+              <a:buFont typeface="Wingdings" panose="05000000000000000000" pitchFamily="2" charset="2"/>
+              <a:buChar char="l"/>
+            </a:pPr>
+            <a:endParaRPr lang="en-US" altLang="ja-JP" dirty="0"/>
+          </a:p>
+          <a:p>
+            <a:pPr>
+              <a:buFont typeface="Wingdings" panose="05000000000000000000" pitchFamily="2" charset="2"/>
+              <a:buChar char="l"/>
+            </a:pPr>
+            <a:r>
+              <a:rPr lang="ja-JP" altLang="en-US" dirty="0"/>
+              <a:t>インターフェース</a:t>
+            </a:r>
+          </a:p>
+        </p:txBody>
+      </p:sp>
+    </p:spTree>
+    <p:extLst>
+      <p:ext uri="{BB962C8B-B14F-4D97-AF65-F5344CB8AC3E}">
+        <p14:creationId xmlns:p14="http://schemas.microsoft.com/office/powerpoint/2010/main" val="502312544"/>
+      </p:ext>
+    </p:extLst>
+  </p:cSld>
+  <p:clrMapOvr>
+    <a:masterClrMapping/>
+  </p:clrMapOvr>
+</p:sld>
+</file>
+
+<file path=ppt/slides/slide4.xml><?xml version="1.0" encoding="utf-8"?>
+<p:sld xmlns:a="http://schemas.openxmlformats.org/drawingml/2006/main" xmlns:r="http://schemas.openxmlformats.org/officeDocument/2006/relationships" xmlns:p="http://schemas.openxmlformats.org/presentationml/2006/main">
+  <p:cSld>
+    <p:spTree>
+      <p:nvGrpSpPr>
+        <p:cNvPr id="1" name="">
+          <a:extLst>
+            <a:ext uri="{FF2B5EF4-FFF2-40B4-BE49-F238E27FC236}">
+              <a16:creationId xmlns:a16="http://schemas.microsoft.com/office/drawing/2014/main" id="{2E0E07E3-1B09-367C-DDAC-78B4285B48F6}"/>
+            </a:ext>
+          </a:extLst>
+        </p:cNvPr>
+        <p:cNvGrpSpPr/>
+        <p:nvPr/>
+      </p:nvGrpSpPr>
+      <p:grpSpPr>
+        <a:xfrm>
+          <a:off x="0" y="0"/>
+          <a:ext cx="0" cy="0"/>
+          <a:chOff x="0" y="0"/>
+          <a:chExt cx="0" cy="0"/>
+        </a:xfrm>
+      </p:grpSpPr>
+      <p:sp>
+        <p:nvSpPr>
+          <p:cNvPr id="2" name="タイトル 1">
+            <a:extLst>
+              <a:ext uri="{FF2B5EF4-FFF2-40B4-BE49-F238E27FC236}">
+                <a16:creationId xmlns:a16="http://schemas.microsoft.com/office/drawing/2014/main" id="{C1C4982B-BC3A-D6CF-E3B5-60C95AD63E08}"/>
+              </a:ext>
+            </a:extLst>
+          </p:cNvPr>
+          <p:cNvSpPr>
+            <a:spLocks noGrp="1"/>
+          </p:cNvSpPr>
+          <p:nvPr>
+            <p:ph type="title"/>
+          </p:nvPr>
+        </p:nvSpPr>
+        <p:spPr/>
+        <p:txBody>
+          <a:bodyPr>
+            <a:normAutofit/>
+          </a:bodyPr>
+          <a:lstStyle/>
+          <a:p>
+            <a:r>
+              <a:rPr lang="ja-JP" altLang="en-US" sz="3600" dirty="0"/>
+              <a:t>デザインパターンについて</a:t>
+            </a:r>
+            <a:endParaRPr kumimoji="1" lang="ja-JP" altLang="en-US" sz="3600" dirty="0"/>
+          </a:p>
+        </p:txBody>
+      </p:sp>
+      <p:sp>
+        <p:nvSpPr>
+          <p:cNvPr id="3" name="コンテンツ プレースホルダー 2">
+            <a:extLst>
+              <a:ext uri="{FF2B5EF4-FFF2-40B4-BE49-F238E27FC236}">
+                <a16:creationId xmlns:a16="http://schemas.microsoft.com/office/drawing/2014/main" id="{DD53FF5D-E9CC-E595-2B49-9FD96365E089}"/>
+              </a:ext>
+            </a:extLst>
+          </p:cNvPr>
+          <p:cNvSpPr>
+            <a:spLocks noGrp="1"/>
+          </p:cNvSpPr>
+          <p:nvPr>
+            <p:ph idx="1"/>
+          </p:nvPr>
+        </p:nvSpPr>
+        <p:spPr>
+          <a:xfrm>
+            <a:off x="838200" y="1466397"/>
+            <a:ext cx="10515600" cy="5146674"/>
+          </a:xfrm>
+        </p:spPr>
+        <p:txBody>
+          <a:bodyPr>
+            <a:normAutofit/>
+          </a:bodyPr>
+          <a:lstStyle/>
+          <a:p>
+            <a:pPr marL="0" indent="0">
+              <a:buNone/>
+            </a:pPr>
+            <a:endParaRPr lang="en-US" altLang="ja-JP" dirty="0"/>
+          </a:p>
+          <a:p>
+            <a:pPr>
+              <a:buFont typeface="Wingdings" panose="05000000000000000000" pitchFamily="2" charset="2"/>
+              <a:buChar char="l"/>
+            </a:pPr>
+            <a:r>
+              <a:rPr lang="ja-JP" altLang="en-US"/>
+              <a:t>カプセル化</a:t>
+            </a:r>
+            <a:endParaRPr lang="en-US" altLang="ja-JP" dirty="0"/>
+          </a:p>
+          <a:p>
+            <a:pPr>
+              <a:buFont typeface="Wingdings" panose="05000000000000000000" pitchFamily="2" charset="2"/>
+              <a:buChar char="l"/>
+            </a:pPr>
+            <a:r>
+              <a:rPr lang="ja-JP" altLang="en-US" dirty="0"/>
+              <a:t>継承</a:t>
+            </a:r>
+            <a:endParaRPr lang="en-US" altLang="ja-JP" dirty="0"/>
+          </a:p>
+          <a:p>
+            <a:pPr>
+              <a:buFont typeface="Wingdings" panose="05000000000000000000" pitchFamily="2" charset="2"/>
+              <a:buChar char="l"/>
+            </a:pPr>
+            <a:endParaRPr lang="en-US" altLang="ja-JP" dirty="0"/>
+          </a:p>
+          <a:p>
+            <a:pPr>
+              <a:buFont typeface="Wingdings" panose="05000000000000000000" pitchFamily="2" charset="2"/>
+              <a:buChar char="l"/>
+            </a:pPr>
+            <a:r>
+              <a:rPr lang="ja-JP" altLang="en-US" dirty="0"/>
+              <a:t>ポリモーフィズム</a:t>
+            </a:r>
+            <a:endParaRPr lang="en-US" altLang="ja-JP" dirty="0"/>
+          </a:p>
+          <a:p>
+            <a:pPr>
+              <a:buFont typeface="Wingdings" panose="05000000000000000000" pitchFamily="2" charset="2"/>
+              <a:buChar char="l"/>
+            </a:pPr>
+            <a:endParaRPr lang="en-US" altLang="ja-JP" dirty="0"/>
+          </a:p>
+          <a:p>
+            <a:pPr>
+              <a:buFont typeface="Wingdings" panose="05000000000000000000" pitchFamily="2" charset="2"/>
+              <a:buChar char="l"/>
+            </a:pPr>
+            <a:r>
+              <a:rPr lang="ja-JP" altLang="en-US" dirty="0"/>
+              <a:t>インターフェース</a:t>
+            </a:r>
+          </a:p>
+        </p:txBody>
+      </p:sp>
+    </p:spTree>
+    <p:extLst>
+      <p:ext uri="{BB962C8B-B14F-4D97-AF65-F5344CB8AC3E}">
+        <p14:creationId xmlns:p14="http://schemas.microsoft.com/office/powerpoint/2010/main" val="887031309"/>
+      </p:ext>
+    </p:extLst>
+  </p:cSld>
+  <p:clrMapOvr>
+    <a:masterClrMapping/>
+  </p:clrMapOvr>
+</p:sld>
+</file>
+
+<file path=ppt/slides/slide5.xml><?xml version="1.0" encoding="utf-8"?>
+<p:sld xmlns:a="http://schemas.openxmlformats.org/drawingml/2006/main" xmlns:r="http://schemas.openxmlformats.org/officeDocument/2006/relationships" xmlns:p="http://schemas.openxmlformats.org/presentationml/2006/main">
+  <p:cSld>
+    <p:spTree>
+      <p:nvGrpSpPr>
+        <p:cNvPr id="1" name="">
+          <a:extLst>
+            <a:ext uri="{FF2B5EF4-FFF2-40B4-BE49-F238E27FC236}">
+              <a16:creationId xmlns:a16="http://schemas.microsoft.com/office/drawing/2014/main" id="{2E0E07E3-1B09-367C-DDAC-78B4285B48F6}"/>
+            </a:ext>
+          </a:extLst>
+        </p:cNvPr>
+        <p:cNvGrpSpPr/>
+        <p:nvPr/>
+      </p:nvGrpSpPr>
+      <p:grpSpPr>
+        <a:xfrm>
+          <a:off x="0" y="0"/>
+          <a:ext cx="0" cy="0"/>
+          <a:chOff x="0" y="0"/>
+          <a:chExt cx="0" cy="0"/>
+        </a:xfrm>
+      </p:grpSpPr>
+      <p:sp>
+        <p:nvSpPr>
+          <p:cNvPr id="2" name="タイトル 1">
+            <a:extLst>
+              <a:ext uri="{FF2B5EF4-FFF2-40B4-BE49-F238E27FC236}">
+                <a16:creationId xmlns:a16="http://schemas.microsoft.com/office/drawing/2014/main" id="{C1C4982B-BC3A-D6CF-E3B5-60C95AD63E08}"/>
+              </a:ext>
+            </a:extLst>
+          </p:cNvPr>
+          <p:cNvSpPr>
+            <a:spLocks noGrp="1"/>
+          </p:cNvSpPr>
+          <p:nvPr>
+            <p:ph type="title"/>
+          </p:nvPr>
+        </p:nvSpPr>
+        <p:spPr/>
+        <p:txBody>
+          <a:bodyPr>
+            <a:normAutofit/>
+          </a:bodyPr>
+          <a:lstStyle/>
+          <a:p>
+            <a:r>
+              <a:rPr lang="ja-JP" altLang="en-US" sz="3600" dirty="0"/>
+              <a:t>クラス</a:t>
+            </a:r>
+            <a:endParaRPr kumimoji="1" lang="ja-JP" altLang="en-US" sz="3600" dirty="0"/>
+          </a:p>
+        </p:txBody>
+      </p:sp>
+      <p:sp>
+        <p:nvSpPr>
+          <p:cNvPr id="3" name="コンテンツ プレースホルダー 2">
+            <a:extLst>
+              <a:ext uri="{FF2B5EF4-FFF2-40B4-BE49-F238E27FC236}">
+                <a16:creationId xmlns:a16="http://schemas.microsoft.com/office/drawing/2014/main" id="{DD53FF5D-E9CC-E595-2B49-9FD96365E089}"/>
+              </a:ext>
+            </a:extLst>
+          </p:cNvPr>
+          <p:cNvSpPr>
+            <a:spLocks noGrp="1"/>
+          </p:cNvSpPr>
+          <p:nvPr>
+            <p:ph idx="1"/>
+          </p:nvPr>
+        </p:nvSpPr>
+        <p:spPr>
+          <a:xfrm>
+            <a:off x="838200" y="1466397"/>
+            <a:ext cx="10515600" cy="5146674"/>
+          </a:xfrm>
+        </p:spPr>
+        <p:txBody>
+          <a:bodyPr>
+            <a:normAutofit/>
+          </a:bodyPr>
+          <a:lstStyle/>
+          <a:p>
+            <a:pPr>
+              <a:buFont typeface="Wingdings" panose="05000000000000000000" pitchFamily="2" charset="2"/>
+              <a:buChar char="l"/>
+            </a:pPr>
+            <a:endParaRPr lang="ja-JP" altLang="en-US" dirty="0"/>
+          </a:p>
+        </p:txBody>
+      </p:sp>
+    </p:spTree>
+    <p:extLst>
+      <p:ext uri="{BB962C8B-B14F-4D97-AF65-F5344CB8AC3E}">
+        <p14:creationId xmlns:p14="http://schemas.microsoft.com/office/powerpoint/2010/main" val="1350614235"/>
+      </p:ext>
+    </p:extLst>
+  </p:cSld>
+  <p:clrMapOvr>
+    <a:masterClrMapping/>
+  </p:clrMapOvr>
+</p:sld>
+</file>
+
+<file path=ppt/slides/slide6.xml><?xml version="1.0" encoding="utf-8"?>
+<p:sld xmlns:a="http://schemas.openxmlformats.org/drawingml/2006/main" xmlns:r="http://schemas.openxmlformats.org/officeDocument/2006/relationships" xmlns:p="http://schemas.openxmlformats.org/presentationml/2006/main">
+  <p:cSld>
+    <p:spTree>
+      <p:nvGrpSpPr>
+        <p:cNvPr id="1" name=""/>
+        <p:cNvGrpSpPr/>
+        <p:nvPr/>
+      </p:nvGrpSpPr>
+      <p:grpSpPr>
+        <a:xfrm>
+          <a:off x="0" y="0"/>
+          <a:ext cx="0" cy="0"/>
+          <a:chOff x="0" y="0"/>
+          <a:chExt cx="0" cy="0"/>
+        </a:xfrm>
+      </p:grpSpPr>
+      <p:sp>
+        <p:nvSpPr>
+          <p:cNvPr id="2" name="タイトル 1">
+            <a:extLst>
+              <a:ext uri="{FF2B5EF4-FFF2-40B4-BE49-F238E27FC236}">
+                <a16:creationId xmlns:a16="http://schemas.microsoft.com/office/drawing/2014/main" id="{9C784ACA-9376-15C6-DD93-68B5D582FADA}"/>
+              </a:ext>
+            </a:extLst>
+          </p:cNvPr>
+          <p:cNvSpPr>
+            <a:spLocks noGrp="1"/>
+          </p:cNvSpPr>
+          <p:nvPr>
+            <p:ph type="title"/>
+          </p:nvPr>
+        </p:nvSpPr>
+        <p:spPr/>
+        <p:txBody>
+          <a:bodyPr>
+            <a:normAutofit/>
+          </a:bodyPr>
+          <a:lstStyle/>
+          <a:p>
+            <a:r>
+              <a:rPr lang="ja-JP" altLang="en-US" sz="3600" dirty="0"/>
+              <a:t>関数型言語とは？</a:t>
+            </a:r>
+            <a:endParaRPr kumimoji="1" lang="ja-JP" altLang="en-US" sz="3600" dirty="0"/>
+          </a:p>
+        </p:txBody>
+      </p:sp>
+      <p:sp>
+        <p:nvSpPr>
+          <p:cNvPr id="3" name="コンテンツ プレースホルダー 2">
+            <a:extLst>
+              <a:ext uri="{FF2B5EF4-FFF2-40B4-BE49-F238E27FC236}">
+                <a16:creationId xmlns:a16="http://schemas.microsoft.com/office/drawing/2014/main" id="{37025C41-8921-578C-16F8-6B5CF0A93AE0}"/>
+              </a:ext>
+            </a:extLst>
+          </p:cNvPr>
+          <p:cNvSpPr>
+            <a:spLocks noGrp="1"/>
+          </p:cNvSpPr>
+          <p:nvPr>
+            <p:ph idx="1"/>
+          </p:nvPr>
+        </p:nvSpPr>
+        <p:spPr/>
+        <p:txBody>
+          <a:bodyPr>
+            <a:normAutofit/>
+          </a:bodyPr>
+          <a:lstStyle/>
+          <a:p>
+            <a:pPr marL="0" indent="0">
+              <a:buNone/>
+            </a:pPr>
+            <a:r>
+              <a:rPr lang="ja-JP" altLang="en-US" dirty="0"/>
+              <a:t>✅ソフトの保守や再利用をしやすくすることを重視する技術</a:t>
+            </a:r>
+            <a:endParaRPr lang="en-US" altLang="ja-JP" dirty="0"/>
+          </a:p>
+          <a:p>
+            <a:pPr marL="0" indent="0">
+              <a:buNone/>
+            </a:pPr>
+            <a:endParaRPr lang="en-US" altLang="ja-JP" dirty="0"/>
+          </a:p>
+          <a:p>
+            <a:pPr marL="0" indent="0">
+              <a:buNone/>
+            </a:pPr>
+            <a:r>
+              <a:rPr lang="ja-JP" altLang="en-US" dirty="0"/>
+              <a:t>✅個々の部品により強く着目し、部品の独立性を高め、それらを組み上げてシステムを実現することが基本的な考え方</a:t>
+            </a:r>
+            <a:endParaRPr lang="en-US" altLang="ja-JP" dirty="0"/>
+          </a:p>
+          <a:p>
+            <a:pPr marL="0" indent="0">
+              <a:buNone/>
+            </a:pPr>
+            <a:endParaRPr lang="en-US" altLang="ja-JP" dirty="0"/>
+          </a:p>
+          <a:p>
+            <a:pPr marL="0" indent="0">
+              <a:buNone/>
+            </a:pPr>
+            <a:r>
+              <a:rPr lang="ja-JP" altLang="en-US" dirty="0"/>
+              <a:t>✅部品の独立性を高めることで、修正が起きた場合の影響範囲を最小限にして、他のシステムで容易に再利用できるようにする</a:t>
+            </a:r>
+          </a:p>
+        </p:txBody>
+      </p:sp>
+    </p:spTree>
+    <p:extLst>
+      <p:ext uri="{BB962C8B-B14F-4D97-AF65-F5344CB8AC3E}">
+        <p14:creationId xmlns:p14="http://schemas.microsoft.com/office/powerpoint/2010/main" val="72967618"/>
+      </p:ext>
+    </p:extLst>
+  </p:cSld>
+  <p:clrMapOvr>
+    <a:masterClrMapping/>
+  </p:clrMapOvr>
+</p:sld>
+</file>
+
+<file path=ppt/slides/slide7.xml><?xml version="1.0" encoding="utf-8"?>
+<p:sld xmlns:a="http://schemas.openxmlformats.org/drawingml/2006/main" xmlns:r="http://schemas.openxmlformats.org/officeDocument/2006/relationships" xmlns:p="http://schemas.openxmlformats.org/presentationml/2006/main">
+  <p:cSld>
+    <p:spTree>
+      <p:nvGrpSpPr>
+        <p:cNvPr id="1" name="">
+          <a:extLst>
+            <a:ext uri="{FF2B5EF4-FFF2-40B4-BE49-F238E27FC236}">
+              <a16:creationId xmlns:a16="http://schemas.microsoft.com/office/drawing/2014/main" id="{2E0E07E3-1B09-367C-DDAC-78B4285B48F6}"/>
+            </a:ext>
+          </a:extLst>
+        </p:cNvPr>
+        <p:cNvGrpSpPr/>
+        <p:nvPr/>
+      </p:nvGrpSpPr>
+      <p:grpSpPr>
+        <a:xfrm>
+          <a:off x="0" y="0"/>
+          <a:ext cx="0" cy="0"/>
+          <a:chOff x="0" y="0"/>
+          <a:chExt cx="0" cy="0"/>
+        </a:xfrm>
+      </p:grpSpPr>
+      <p:sp>
+        <p:nvSpPr>
+          <p:cNvPr id="2" name="タイトル 1">
+            <a:extLst>
+              <a:ext uri="{FF2B5EF4-FFF2-40B4-BE49-F238E27FC236}">
+                <a16:creationId xmlns:a16="http://schemas.microsoft.com/office/drawing/2014/main" id="{C1C4982B-BC3A-D6CF-E3B5-60C95AD63E08}"/>
+              </a:ext>
+            </a:extLst>
+          </p:cNvPr>
+          <p:cNvSpPr>
+            <a:spLocks noGrp="1"/>
+          </p:cNvSpPr>
+          <p:nvPr>
+            <p:ph type="title"/>
+          </p:nvPr>
+        </p:nvSpPr>
+        <p:spPr/>
+        <p:txBody>
+          <a:bodyPr>
+            <a:normAutofit/>
+          </a:bodyPr>
+          <a:lstStyle/>
+          <a:p>
+            <a:r>
+              <a:rPr lang="ja-JP" altLang="en-US" sz="3600" dirty="0"/>
+              <a:t>ポリモーフィズム（多様性・多態）</a:t>
+            </a:r>
+            <a:endParaRPr kumimoji="1" lang="ja-JP" altLang="en-US" sz="3600" dirty="0"/>
+          </a:p>
+        </p:txBody>
+      </p:sp>
+      <p:sp>
+        <p:nvSpPr>
+          <p:cNvPr id="3" name="コンテンツ プレースホルダー 2">
+            <a:extLst>
+              <a:ext uri="{FF2B5EF4-FFF2-40B4-BE49-F238E27FC236}">
+                <a16:creationId xmlns:a16="http://schemas.microsoft.com/office/drawing/2014/main" id="{DD53FF5D-E9CC-E595-2B49-9FD96365E089}"/>
+              </a:ext>
+            </a:extLst>
+          </p:cNvPr>
+          <p:cNvSpPr>
+            <a:spLocks noGrp="1"/>
+          </p:cNvSpPr>
+          <p:nvPr>
+            <p:ph idx="1"/>
+          </p:nvPr>
+        </p:nvSpPr>
+        <p:spPr>
+          <a:xfrm>
+            <a:off x="838200" y="1466397"/>
+            <a:ext cx="10515600" cy="5146674"/>
+          </a:xfrm>
+        </p:spPr>
+        <p:txBody>
+          <a:bodyPr>
+            <a:normAutofit/>
+          </a:bodyPr>
+          <a:lstStyle/>
+          <a:p>
+            <a:pPr>
+              <a:buFont typeface="Wingdings" panose="05000000000000000000" pitchFamily="2" charset="2"/>
+              <a:buChar char="l"/>
+            </a:pPr>
+            <a:endParaRPr lang="ja-JP" altLang="en-US" dirty="0"/>
+          </a:p>
+        </p:txBody>
+      </p:sp>
+    </p:spTree>
+    <p:extLst>
+      <p:ext uri="{BB962C8B-B14F-4D97-AF65-F5344CB8AC3E}">
+        <p14:creationId xmlns:p14="http://schemas.microsoft.com/office/powerpoint/2010/main" val="638723530"/>
+      </p:ext>
+    </p:extLst>
+  </p:cSld>
+  <p:clrMapOvr>
+    <a:masterClrMapping/>
+  </p:clrMapOvr>
+</p:sld>
+</file>
+
+<file path=ppt/slides/slide8.xml><?xml version="1.0" encoding="utf-8"?>
+<p:sld xmlns:a="http://schemas.openxmlformats.org/drawingml/2006/main" xmlns:r="http://schemas.openxmlformats.org/officeDocument/2006/relationships" xmlns:p="http://schemas.openxmlformats.org/presentationml/2006/main">
+  <p:cSld>
+    <p:spTree>
+      <p:nvGrpSpPr>
+        <p:cNvPr id="1" name="">
+          <a:extLst>
+            <a:ext uri="{FF2B5EF4-FFF2-40B4-BE49-F238E27FC236}">
+              <a16:creationId xmlns:a16="http://schemas.microsoft.com/office/drawing/2014/main" id="{2E0E07E3-1B09-367C-DDAC-78B4285B48F6}"/>
+            </a:ext>
+          </a:extLst>
+        </p:cNvPr>
+        <p:cNvGrpSpPr/>
+        <p:nvPr/>
+      </p:nvGrpSpPr>
+      <p:grpSpPr>
+        <a:xfrm>
+          <a:off x="0" y="0"/>
+          <a:ext cx="0" cy="0"/>
+          <a:chOff x="0" y="0"/>
+          <a:chExt cx="0" cy="0"/>
+        </a:xfrm>
+      </p:grpSpPr>
+      <p:sp>
+        <p:nvSpPr>
+          <p:cNvPr id="2" name="タイトル 1">
+            <a:extLst>
+              <a:ext uri="{FF2B5EF4-FFF2-40B4-BE49-F238E27FC236}">
+                <a16:creationId xmlns:a16="http://schemas.microsoft.com/office/drawing/2014/main" id="{C1C4982B-BC3A-D6CF-E3B5-60C95AD63E08}"/>
+              </a:ext>
+            </a:extLst>
+          </p:cNvPr>
+          <p:cNvSpPr>
+            <a:spLocks noGrp="1"/>
+          </p:cNvSpPr>
+          <p:nvPr>
+            <p:ph type="title"/>
+          </p:nvPr>
+        </p:nvSpPr>
+        <p:spPr/>
+        <p:txBody>
+          <a:bodyPr>
+            <a:normAutofit/>
+          </a:bodyPr>
+          <a:lstStyle/>
+          <a:p>
+            <a:r>
+              <a:rPr kumimoji="1" lang="ja-JP" altLang="en-US" sz="3600" dirty="0"/>
+              <a:t>継承</a:t>
+            </a:r>
+          </a:p>
+        </p:txBody>
+      </p:sp>
+      <p:sp>
+        <p:nvSpPr>
+          <p:cNvPr id="3" name="コンテンツ プレースホルダー 2">
+            <a:extLst>
+              <a:ext uri="{FF2B5EF4-FFF2-40B4-BE49-F238E27FC236}">
+                <a16:creationId xmlns:a16="http://schemas.microsoft.com/office/drawing/2014/main" id="{DD53FF5D-E9CC-E595-2B49-9FD96365E089}"/>
+              </a:ext>
+            </a:extLst>
+          </p:cNvPr>
+          <p:cNvSpPr>
+            <a:spLocks noGrp="1"/>
+          </p:cNvSpPr>
+          <p:nvPr>
+            <p:ph idx="1"/>
+          </p:nvPr>
+        </p:nvSpPr>
+        <p:spPr>
+          <a:xfrm>
+            <a:off x="838200" y="1466397"/>
+            <a:ext cx="10515600" cy="5146674"/>
+          </a:xfrm>
+        </p:spPr>
+        <p:txBody>
+          <a:bodyPr>
+            <a:normAutofit/>
+          </a:bodyPr>
+          <a:lstStyle/>
+          <a:p>
+            <a:pPr>
+              <a:buFont typeface="Wingdings" panose="05000000000000000000" pitchFamily="2" charset="2"/>
+              <a:buChar char="l"/>
+            </a:pPr>
+            <a:endParaRPr lang="ja-JP" altLang="en-US" dirty="0"/>
+          </a:p>
+        </p:txBody>
+      </p:sp>
+    </p:spTree>
+    <p:extLst>
+      <p:ext uri="{BB962C8B-B14F-4D97-AF65-F5344CB8AC3E}">
+        <p14:creationId xmlns:p14="http://schemas.microsoft.com/office/powerpoint/2010/main" val="282443846"/>
+      </p:ext>
+    </p:extLst>
+  </p:cSld>
+  <p:clrMapOvr>
+    <a:masterClrMapping/>
+  </p:clrMapOvr>
+</p:sld>
+</file>
+
+<file path=ppt/slides/slide9.xml><?xml version="1.0" encoding="utf-8"?>
+<p:sld xmlns:a="http://schemas.openxmlformats.org/drawingml/2006/main" xmlns:r="http://schemas.openxmlformats.org/officeDocument/2006/relationships" xmlns:p="http://schemas.openxmlformats.org/presentationml/2006/main">
+  <p:cSld>
+    <p:spTree>
+      <p:nvGrpSpPr>
+        <p:cNvPr id="1" name="">
+          <a:extLst>
+            <a:ext uri="{FF2B5EF4-FFF2-40B4-BE49-F238E27FC236}">
+              <a16:creationId xmlns:a16="http://schemas.microsoft.com/office/drawing/2014/main" id="{D5DEC7B6-945C-D6E2-0949-749707BB4D38}"/>
+            </a:ext>
+          </a:extLst>
+        </p:cNvPr>
+        <p:cNvGrpSpPr/>
+        <p:nvPr/>
+      </p:nvGrpSpPr>
+      <p:grpSpPr>
+        <a:xfrm>
+          <a:off x="0" y="0"/>
+          <a:ext cx="0" cy="0"/>
+          <a:chOff x="0" y="0"/>
+          <a:chExt cx="0" cy="0"/>
+        </a:xfrm>
+      </p:grpSpPr>
+      <p:sp>
+        <p:nvSpPr>
+          <p:cNvPr id="2" name="タイトル 1">
+            <a:extLst>
+              <a:ext uri="{FF2B5EF4-FFF2-40B4-BE49-F238E27FC236}">
+                <a16:creationId xmlns:a16="http://schemas.microsoft.com/office/drawing/2014/main" id="{0B927373-9DA8-EA30-70C7-7407D3117FF4}"/>
+              </a:ext>
+            </a:extLst>
+          </p:cNvPr>
+          <p:cNvSpPr>
+            <a:spLocks noGrp="1"/>
+          </p:cNvSpPr>
+          <p:nvPr>
+            <p:ph type="title"/>
+          </p:nvPr>
+        </p:nvSpPr>
+        <p:spPr/>
+        <p:txBody>
+          <a:bodyPr>
+            <a:normAutofit/>
+          </a:bodyPr>
+          <a:lstStyle/>
+          <a:p>
+            <a:r>
+              <a:rPr lang="en-US" altLang="ja-JP" sz="3600" dirty="0"/>
+              <a:t>【</a:t>
+            </a:r>
+            <a:r>
+              <a:rPr lang="en-US" altLang="ja-JP" sz="3600" dirty="0" err="1"/>
+              <a:t>AOSP】Android</a:t>
+            </a:r>
+            <a:r>
+              <a:rPr lang="en-US" altLang="ja-JP" sz="3600" dirty="0"/>
+              <a:t> View </a:t>
+            </a:r>
+            <a:r>
+              <a:rPr lang="ja-JP" altLang="en-US" sz="3600" dirty="0"/>
+              <a:t>について</a:t>
+            </a:r>
+            <a:endParaRPr kumimoji="1" lang="ja-JP" altLang="en-US" sz="3600" dirty="0"/>
+          </a:p>
+        </p:txBody>
+      </p:sp>
+      <p:sp>
+        <p:nvSpPr>
+          <p:cNvPr id="35" name="コンテンツ プレースホルダー 34">
+            <a:extLst>
+              <a:ext uri="{FF2B5EF4-FFF2-40B4-BE49-F238E27FC236}">
+                <a16:creationId xmlns:a16="http://schemas.microsoft.com/office/drawing/2014/main" id="{C0E72496-F85F-8447-B573-9737EA56F063}"/>
+              </a:ext>
+            </a:extLst>
+          </p:cNvPr>
+          <p:cNvSpPr>
+            <a:spLocks noGrp="1"/>
+          </p:cNvSpPr>
+          <p:nvPr>
+            <p:ph idx="1"/>
+          </p:nvPr>
+        </p:nvSpPr>
+        <p:spPr/>
+        <p:txBody>
+          <a:bodyPr/>
+          <a:lstStyle/>
+          <a:p>
+            <a:endParaRPr lang="ja-JP" altLang="en-US" dirty="0"/>
+          </a:p>
+        </p:txBody>
+      </p:sp>
+    </p:spTree>
+    <p:extLst>
+      <p:ext uri="{BB962C8B-B14F-4D97-AF65-F5344CB8AC3E}">
+        <p14:creationId xmlns:p14="http://schemas.microsoft.com/office/powerpoint/2010/main" val="3121619790"/>
       </p:ext>
     </p:extLst>
   </p:cSld>

--- a/java-report/OOP概要.pptx
+++ b/java-report/OOP概要.pptx
@@ -6,17 +6,16 @@
   </p:sldMasterIdLst>
   <p:sldIdLst>
     <p:sldId id="256" r:id="rId2"/>
-    <p:sldId id="262" r:id="rId3"/>
-    <p:sldId id="269" r:id="rId4"/>
-    <p:sldId id="277" r:id="rId5"/>
-    <p:sldId id="271" r:id="rId6"/>
-    <p:sldId id="275" r:id="rId7"/>
-    <p:sldId id="272" r:id="rId8"/>
+    <p:sldId id="271" r:id="rId3"/>
+    <p:sldId id="262" r:id="rId4"/>
+    <p:sldId id="269" r:id="rId5"/>
+    <p:sldId id="277" r:id="rId6"/>
+    <p:sldId id="279" r:id="rId7"/>
+    <p:sldId id="275" r:id="rId8"/>
     <p:sldId id="273" r:id="rId9"/>
     <p:sldId id="267" r:id="rId10"/>
     <p:sldId id="274" r:id="rId11"/>
     <p:sldId id="276" r:id="rId12"/>
-    <p:sldId id="270" r:id="rId13"/>
   </p:sldIdLst>
   <p:sldSz cx="12192000" cy="6858000"/>
   <p:notesSz cx="6858000" cy="9144000"/>
@@ -7045,242 +7044,7 @@
 </p:sld>
 </file>
 
-<file path=ppt/slides/slide12.xml><?xml version="1.0" encoding="utf-8"?>
-<p:sld xmlns:a="http://schemas.openxmlformats.org/drawingml/2006/main" xmlns:r="http://schemas.openxmlformats.org/officeDocument/2006/relationships" xmlns:p="http://schemas.openxmlformats.org/presentationml/2006/main">
-  <p:cSld>
-    <p:spTree>
-      <p:nvGrpSpPr>
-        <p:cNvPr id="1" name="">
-          <a:extLst>
-            <a:ext uri="{FF2B5EF4-FFF2-40B4-BE49-F238E27FC236}">
-              <a16:creationId xmlns:a16="http://schemas.microsoft.com/office/drawing/2014/main" id="{D5DEC7B6-945C-D6E2-0949-749707BB4D38}"/>
-            </a:ext>
-          </a:extLst>
-        </p:cNvPr>
-        <p:cNvGrpSpPr/>
-        <p:nvPr/>
-      </p:nvGrpSpPr>
-      <p:grpSpPr>
-        <a:xfrm>
-          <a:off x="0" y="0"/>
-          <a:ext cx="0" cy="0"/>
-          <a:chOff x="0" y="0"/>
-          <a:chExt cx="0" cy="0"/>
-        </a:xfrm>
-      </p:grpSpPr>
-      <p:sp>
-        <p:nvSpPr>
-          <p:cNvPr id="2" name="タイトル 1">
-            <a:extLst>
-              <a:ext uri="{FF2B5EF4-FFF2-40B4-BE49-F238E27FC236}">
-                <a16:creationId xmlns:a16="http://schemas.microsoft.com/office/drawing/2014/main" id="{0B927373-9DA8-EA30-70C7-7407D3117FF4}"/>
-              </a:ext>
-            </a:extLst>
-          </p:cNvPr>
-          <p:cNvSpPr>
-            <a:spLocks noGrp="1"/>
-          </p:cNvSpPr>
-          <p:nvPr>
-            <p:ph type="title"/>
-          </p:nvPr>
-        </p:nvSpPr>
-        <p:spPr>
-          <a:xfrm>
-            <a:off x="649357" y="49946"/>
-            <a:ext cx="10515600" cy="1325563"/>
-          </a:xfrm>
-        </p:spPr>
-        <p:txBody>
-          <a:bodyPr>
-            <a:normAutofit/>
-          </a:bodyPr>
-          <a:lstStyle/>
-          <a:p>
-            <a:r>
-              <a:rPr lang="en-US" altLang="ja-JP" sz="3600" dirty="0"/>
-              <a:t>Java</a:t>
-            </a:r>
-            <a:r>
-              <a:rPr lang="ja-JP" altLang="en-US" sz="3600" dirty="0"/>
-              <a:t>言語について</a:t>
-            </a:r>
-            <a:endParaRPr kumimoji="1" lang="ja-JP" altLang="en-US" sz="3600" dirty="0"/>
-          </a:p>
-        </p:txBody>
-      </p:sp>
-      <p:sp>
-        <p:nvSpPr>
-          <p:cNvPr id="9" name="コンテンツ プレースホルダー 8">
-            <a:extLst>
-              <a:ext uri="{FF2B5EF4-FFF2-40B4-BE49-F238E27FC236}">
-                <a16:creationId xmlns:a16="http://schemas.microsoft.com/office/drawing/2014/main" id="{49D387B4-CA13-E225-DDCA-F3FF1CFE00B7}"/>
-              </a:ext>
-            </a:extLst>
-          </p:cNvPr>
-          <p:cNvSpPr>
-            <a:spLocks noGrp="1"/>
-          </p:cNvSpPr>
-          <p:nvPr>
-            <p:ph idx="1"/>
-          </p:nvPr>
-        </p:nvSpPr>
-        <p:spPr/>
-        <p:txBody>
-          <a:bodyPr/>
-          <a:lstStyle/>
-          <a:p>
-            <a:endParaRPr lang="ja-JP" altLang="en-US"/>
-          </a:p>
-        </p:txBody>
-      </p:sp>
-    </p:spTree>
-    <p:extLst>
-      <p:ext uri="{BB962C8B-B14F-4D97-AF65-F5344CB8AC3E}">
-        <p14:creationId xmlns:p14="http://schemas.microsoft.com/office/powerpoint/2010/main" val="1665867130"/>
-      </p:ext>
-    </p:extLst>
-  </p:cSld>
-  <p:clrMapOvr>
-    <a:masterClrMapping/>
-  </p:clrMapOvr>
-</p:sld>
-</file>
-
 <file path=ppt/slides/slide2.xml><?xml version="1.0" encoding="utf-8"?>
-<p:sld xmlns:a="http://schemas.openxmlformats.org/drawingml/2006/main" xmlns:r="http://schemas.openxmlformats.org/officeDocument/2006/relationships" xmlns:p="http://schemas.openxmlformats.org/presentationml/2006/main">
-  <p:cSld>
-    <p:spTree>
-      <p:nvGrpSpPr>
-        <p:cNvPr id="1" name=""/>
-        <p:cNvGrpSpPr/>
-        <p:nvPr/>
-      </p:nvGrpSpPr>
-      <p:grpSpPr>
-        <a:xfrm>
-          <a:off x="0" y="0"/>
-          <a:ext cx="0" cy="0"/>
-          <a:chOff x="0" y="0"/>
-          <a:chExt cx="0" cy="0"/>
-        </a:xfrm>
-      </p:grpSpPr>
-      <p:sp>
-        <p:nvSpPr>
-          <p:cNvPr id="2" name="タイトル 1">
-            <a:extLst>
-              <a:ext uri="{FF2B5EF4-FFF2-40B4-BE49-F238E27FC236}">
-                <a16:creationId xmlns:a16="http://schemas.microsoft.com/office/drawing/2014/main" id="{9C784ACA-9376-15C6-DD93-68B5D582FADA}"/>
-              </a:ext>
-            </a:extLst>
-          </p:cNvPr>
-          <p:cNvSpPr>
-            <a:spLocks noGrp="1"/>
-          </p:cNvSpPr>
-          <p:nvPr>
-            <p:ph type="title"/>
-          </p:nvPr>
-        </p:nvSpPr>
-        <p:spPr/>
-        <p:txBody>
-          <a:bodyPr>
-            <a:normAutofit/>
-          </a:bodyPr>
-          <a:lstStyle/>
-          <a:p>
-            <a:r>
-              <a:rPr lang="ja-JP" altLang="en-US" sz="3600" dirty="0"/>
-              <a:t>オブジェクト指向プログラミング</a:t>
-            </a:r>
-            <a:r>
-              <a:rPr lang="en-US" altLang="ja-JP" sz="3600" dirty="0"/>
-              <a:t>(OOP)</a:t>
-            </a:r>
-            <a:r>
-              <a:rPr lang="ja-JP" altLang="en-US" sz="3600" dirty="0"/>
-              <a:t>とは？</a:t>
-            </a:r>
-            <a:endParaRPr kumimoji="1" lang="ja-JP" altLang="en-US" sz="3600" dirty="0"/>
-          </a:p>
-        </p:txBody>
-      </p:sp>
-      <p:sp>
-        <p:nvSpPr>
-          <p:cNvPr id="3" name="コンテンツ プレースホルダー 2">
-            <a:extLst>
-              <a:ext uri="{FF2B5EF4-FFF2-40B4-BE49-F238E27FC236}">
-                <a16:creationId xmlns:a16="http://schemas.microsoft.com/office/drawing/2014/main" id="{37025C41-8921-578C-16F8-6B5CF0A93AE0}"/>
-              </a:ext>
-            </a:extLst>
-          </p:cNvPr>
-          <p:cNvSpPr>
-            <a:spLocks noGrp="1"/>
-          </p:cNvSpPr>
-          <p:nvPr>
-            <p:ph idx="1"/>
-          </p:nvPr>
-        </p:nvSpPr>
-        <p:spPr/>
-        <p:txBody>
-          <a:bodyPr>
-            <a:normAutofit/>
-          </a:bodyPr>
-          <a:lstStyle/>
-          <a:p>
-            <a:pPr marL="0" indent="0">
-              <a:buNone/>
-            </a:pPr>
-            <a:r>
-              <a:rPr lang="ja-JP" altLang="en-US" dirty="0"/>
-              <a:t>✅ソフトの保守や再利用をしやすくすることを重視する技術</a:t>
-            </a:r>
-            <a:endParaRPr lang="en-US" altLang="ja-JP" dirty="0"/>
-          </a:p>
-          <a:p>
-            <a:pPr marL="0" indent="0">
-              <a:buNone/>
-            </a:pPr>
-            <a:endParaRPr lang="en-US" altLang="ja-JP" dirty="0"/>
-          </a:p>
-          <a:p>
-            <a:pPr marL="0" indent="0">
-              <a:buNone/>
-            </a:pPr>
-            <a:r>
-              <a:rPr lang="ja-JP" altLang="en-US" dirty="0"/>
-              <a:t>✅個々の部品により強く着目し、部品の独立性を高め、それらを組み上げてシステムを実現することが基本的な考え方</a:t>
-            </a:r>
-            <a:endParaRPr lang="en-US" altLang="ja-JP" dirty="0"/>
-          </a:p>
-          <a:p>
-            <a:pPr marL="0" indent="0">
-              <a:buNone/>
-            </a:pPr>
-            <a:endParaRPr lang="en-US" altLang="ja-JP" dirty="0"/>
-          </a:p>
-          <a:p>
-            <a:pPr marL="0" indent="0">
-              <a:buNone/>
-            </a:pPr>
-            <a:r>
-              <a:rPr lang="ja-JP" altLang="en-US" dirty="0"/>
-              <a:t>✅部品の独立性を高めることで、修正が起きた場合の影響範囲を最小限にして、他のシステムで容易に再利用できるようにする</a:t>
-            </a:r>
-          </a:p>
-        </p:txBody>
-      </p:sp>
-    </p:spTree>
-    <p:extLst>
-      <p:ext uri="{BB962C8B-B14F-4D97-AF65-F5344CB8AC3E}">
-        <p14:creationId xmlns:p14="http://schemas.microsoft.com/office/powerpoint/2010/main" val="4019972730"/>
-      </p:ext>
-    </p:extLst>
-  </p:cSld>
-  <p:clrMapOvr>
-    <a:masterClrMapping/>
-  </p:clrMapOvr>
-</p:sld>
-</file>
-
-<file path=ppt/slides/slide3.xml><?xml version="1.0" encoding="utf-8"?>
 <p:sld xmlns:a="http://schemas.openxmlformats.org/drawingml/2006/main" xmlns:r="http://schemas.openxmlformats.org/officeDocument/2006/relationships" xmlns:p="http://schemas.openxmlformats.org/presentationml/2006/main">
   <p:cSld>
     <p:spTree>
@@ -7327,12 +7091,8 @@
           <a:lstStyle/>
           <a:p>
             <a:r>
-              <a:rPr kumimoji="1" lang="ja-JP" altLang="en-US" sz="3600" dirty="0"/>
-              <a:t>オブジェクト指向</a:t>
-            </a:r>
-            <a:r>
-              <a:rPr lang="ja-JP" altLang="en-US" sz="3600" dirty="0"/>
-              <a:t>の主要概念</a:t>
+              <a:rPr lang="ja-JP" altLang="en-US" sz="3600"/>
+              <a:t>今回お伝えしたいこと</a:t>
             </a:r>
             <a:endParaRPr kumimoji="1" lang="ja-JP" altLang="en-US" sz="3600" dirty="0"/>
           </a:p>
@@ -7366,81 +7126,343 @@
           </a:bodyPr>
           <a:lstStyle/>
           <a:p>
-            <a:pPr marL="0" indent="0">
-              <a:buNone/>
-            </a:pPr>
-            <a:endParaRPr lang="en-US" altLang="ja-JP" dirty="0"/>
+            <a:r>
+              <a:rPr lang="ja-JP" altLang="en-US" sz="3200"/>
+              <a:t>オブジェクト思考プログラミング（</a:t>
+            </a:r>
+            <a:r>
+              <a:rPr lang="en-US" altLang="ja-JP" sz="3200" dirty="0"/>
+              <a:t>OOP</a:t>
+            </a:r>
+            <a:r>
+              <a:rPr lang="ja-JP" altLang="en-US" sz="3200"/>
+              <a:t>）とは</a:t>
+            </a:r>
+            <a:endParaRPr lang="en-US" altLang="ja-JP" sz="3200" dirty="0"/>
+          </a:p>
+          <a:p>
+            <a:r>
+              <a:rPr lang="en-US" altLang="ja-JP" sz="3200" dirty="0"/>
+              <a:t>OOP</a:t>
+            </a:r>
+            <a:r>
+              <a:rPr lang="ja-JP" altLang="en-US" sz="3200"/>
+              <a:t>の主要概念</a:t>
+            </a:r>
+            <a:endParaRPr lang="en-US" altLang="ja-JP" sz="3200" dirty="0"/>
+          </a:p>
+          <a:p>
+            <a:r>
+              <a:rPr lang="ja-JP" altLang="en-US" sz="3200"/>
+              <a:t>デザインパターン</a:t>
+            </a:r>
+            <a:endParaRPr lang="en-US" altLang="ja-JP" sz="3200" dirty="0"/>
+          </a:p>
+          <a:p>
+            <a:r>
+              <a:rPr lang="ja-JP" altLang="en-US" sz="3200"/>
+              <a:t>マルチパラダイム（関数型言語の概念の導入）</a:t>
+            </a:r>
+            <a:endParaRPr lang="en-US" altLang="ja-JP" sz="3200" dirty="0"/>
+          </a:p>
+          <a:p>
+            <a:r>
+              <a:rPr lang="en-US" altLang="ja-JP" sz="3200" dirty="0"/>
+              <a:t>Java</a:t>
+            </a:r>
+            <a:r>
+              <a:rPr lang="ja-JP" altLang="en-US" sz="3200"/>
+              <a:t>言語の導入</a:t>
+            </a:r>
+            <a:endParaRPr lang="en-US" altLang="ja-JP" sz="3200" dirty="0"/>
           </a:p>
           <a:p>
             <a:pPr>
               <a:buFont typeface="Wingdings" panose="05000000000000000000" pitchFamily="2" charset="2"/>
               <a:buChar char="l"/>
             </a:pPr>
-            <a:r>
-              <a:rPr lang="ja-JP" altLang="en-US" dirty="0"/>
-              <a:t>カプセル化</a:t>
-            </a:r>
-            <a:endParaRPr lang="en-US" altLang="ja-JP" dirty="0"/>
+            <a:endParaRPr lang="en-US" altLang="ja-JP" sz="3200" dirty="0"/>
           </a:p>
           <a:p>
             <a:pPr>
               <a:buFont typeface="Wingdings" panose="05000000000000000000" pitchFamily="2" charset="2"/>
               <a:buChar char="l"/>
             </a:pPr>
-            <a:endParaRPr lang="en-US" altLang="ja-JP" dirty="0"/>
+            <a:endParaRPr lang="en-US" altLang="ja-JP" sz="3200" dirty="0"/>
           </a:p>
           <a:p>
             <a:pPr>
               <a:buFont typeface="Wingdings" panose="05000000000000000000" pitchFamily="2" charset="2"/>
               <a:buChar char="l"/>
             </a:pPr>
-            <a:r>
-              <a:rPr lang="ja-JP" altLang="en-US" dirty="0"/>
-              <a:t>継承</a:t>
-            </a:r>
-            <a:endParaRPr lang="en-US" altLang="ja-JP" dirty="0"/>
-          </a:p>
-          <a:p>
-            <a:pPr>
-              <a:buFont typeface="Wingdings" panose="05000000000000000000" pitchFamily="2" charset="2"/>
-              <a:buChar char="l"/>
-            </a:pPr>
-            <a:endParaRPr lang="en-US" altLang="ja-JP" dirty="0"/>
-          </a:p>
-          <a:p>
-            <a:pPr>
-              <a:buFont typeface="Wingdings" panose="05000000000000000000" pitchFamily="2" charset="2"/>
-              <a:buChar char="l"/>
-            </a:pPr>
-            <a:r>
-              <a:rPr lang="ja-JP" altLang="en-US" dirty="0"/>
-              <a:t>ポリモーフィズム</a:t>
-            </a:r>
-            <a:endParaRPr lang="en-US" altLang="ja-JP" dirty="0"/>
-          </a:p>
-          <a:p>
-            <a:pPr>
-              <a:buFont typeface="Wingdings" panose="05000000000000000000" pitchFamily="2" charset="2"/>
-              <a:buChar char="l"/>
-            </a:pPr>
-            <a:endParaRPr lang="en-US" altLang="ja-JP" dirty="0"/>
-          </a:p>
-          <a:p>
-            <a:pPr>
-              <a:buFont typeface="Wingdings" panose="05000000000000000000" pitchFamily="2" charset="2"/>
-              <a:buChar char="l"/>
-            </a:pPr>
-            <a:r>
-              <a:rPr lang="ja-JP" altLang="en-US" dirty="0"/>
-              <a:t>インターフェース</a:t>
-            </a:r>
+            <a:endParaRPr lang="ja-JP" altLang="en-US" sz="3200" dirty="0"/>
           </a:p>
         </p:txBody>
       </p:sp>
     </p:spTree>
     <p:extLst>
       <p:ext uri="{BB962C8B-B14F-4D97-AF65-F5344CB8AC3E}">
-        <p14:creationId xmlns:p14="http://schemas.microsoft.com/office/powerpoint/2010/main" val="502312544"/>
+        <p14:creationId xmlns:p14="http://schemas.microsoft.com/office/powerpoint/2010/main" val="1350614235"/>
+      </p:ext>
+    </p:extLst>
+  </p:cSld>
+  <p:clrMapOvr>
+    <a:masterClrMapping/>
+  </p:clrMapOvr>
+</p:sld>
+</file>
+
+<file path=ppt/slides/slide3.xml><?xml version="1.0" encoding="utf-8"?>
+<p:sld xmlns:a="http://schemas.openxmlformats.org/drawingml/2006/main" xmlns:r="http://schemas.openxmlformats.org/officeDocument/2006/relationships" xmlns:p="http://schemas.openxmlformats.org/presentationml/2006/main">
+  <p:cSld>
+    <p:spTree>
+      <p:nvGrpSpPr>
+        <p:cNvPr id="1" name=""/>
+        <p:cNvGrpSpPr/>
+        <p:nvPr/>
+      </p:nvGrpSpPr>
+      <p:grpSpPr>
+        <a:xfrm>
+          <a:off x="0" y="0"/>
+          <a:ext cx="0" cy="0"/>
+          <a:chOff x="0" y="0"/>
+          <a:chExt cx="0" cy="0"/>
+        </a:xfrm>
+      </p:grpSpPr>
+      <p:sp>
+        <p:nvSpPr>
+          <p:cNvPr id="2" name="タイトル 1">
+            <a:extLst>
+              <a:ext uri="{FF2B5EF4-FFF2-40B4-BE49-F238E27FC236}">
+                <a16:creationId xmlns:a16="http://schemas.microsoft.com/office/drawing/2014/main" id="{9C784ACA-9376-15C6-DD93-68B5D582FADA}"/>
+              </a:ext>
+            </a:extLst>
+          </p:cNvPr>
+          <p:cNvSpPr>
+            <a:spLocks noGrp="1"/>
+          </p:cNvSpPr>
+          <p:nvPr>
+            <p:ph type="title"/>
+          </p:nvPr>
+        </p:nvSpPr>
+        <p:spPr/>
+        <p:txBody>
+          <a:bodyPr>
+            <a:normAutofit/>
+          </a:bodyPr>
+          <a:lstStyle/>
+          <a:p>
+            <a:r>
+              <a:rPr lang="ja-JP" altLang="en-US" sz="3600" dirty="0"/>
+              <a:t>オブジェクト指向プログラミング</a:t>
+            </a:r>
+            <a:r>
+              <a:rPr lang="en-US" altLang="ja-JP" sz="3600" dirty="0"/>
+              <a:t>(OOP)</a:t>
+            </a:r>
+            <a:r>
+              <a:rPr lang="ja-JP" altLang="en-US" sz="3600" dirty="0"/>
+              <a:t>とは？</a:t>
+            </a:r>
+            <a:endParaRPr kumimoji="1" lang="ja-JP" altLang="en-US" sz="3600" dirty="0"/>
+          </a:p>
+        </p:txBody>
+      </p:sp>
+      <p:sp>
+        <p:nvSpPr>
+          <p:cNvPr id="3" name="コンテンツ プレースホルダー 2">
+            <a:extLst>
+              <a:ext uri="{FF2B5EF4-FFF2-40B4-BE49-F238E27FC236}">
+                <a16:creationId xmlns:a16="http://schemas.microsoft.com/office/drawing/2014/main" id="{37025C41-8921-578C-16F8-6B5CF0A93AE0}"/>
+              </a:ext>
+            </a:extLst>
+          </p:cNvPr>
+          <p:cNvSpPr>
+            <a:spLocks noGrp="1"/>
+          </p:cNvSpPr>
+          <p:nvPr>
+            <p:ph idx="1"/>
+          </p:nvPr>
+        </p:nvSpPr>
+        <p:spPr/>
+        <p:txBody>
+          <a:bodyPr>
+            <a:normAutofit/>
+          </a:bodyPr>
+          <a:lstStyle/>
+          <a:p>
+            <a:pPr marL="0" indent="0">
+              <a:buNone/>
+            </a:pPr>
+            <a:r>
+              <a:rPr lang="ja-JP" altLang="en-US" dirty="0"/>
+              <a:t>✅ソフトの保守や再利用をしやすくすることを重視する技術</a:t>
+            </a:r>
+            <a:endParaRPr lang="en-US" altLang="ja-JP" dirty="0"/>
+          </a:p>
+          <a:p>
+            <a:pPr marL="0" indent="0">
+              <a:buNone/>
+            </a:pPr>
+            <a:endParaRPr lang="en-US" altLang="ja-JP" dirty="0"/>
+          </a:p>
+          <a:p>
+            <a:pPr marL="0" indent="0">
+              <a:buNone/>
+            </a:pPr>
+            <a:r>
+              <a:rPr lang="ja-JP" altLang="en-US" dirty="0"/>
+              <a:t>✅個々の部品により強く着目し、部品の独立性を高め、それらを組み上げてシステムを実現することが基本的な考え方</a:t>
+            </a:r>
+            <a:endParaRPr lang="en-US" altLang="ja-JP" dirty="0"/>
+          </a:p>
+          <a:p>
+            <a:pPr marL="0" indent="0">
+              <a:buNone/>
+            </a:pPr>
+            <a:endParaRPr lang="en-US" altLang="ja-JP" dirty="0"/>
+          </a:p>
+          <a:p>
+            <a:pPr marL="0" indent="0">
+              <a:buNone/>
+            </a:pPr>
+            <a:r>
+              <a:rPr lang="ja-JP" altLang="en-US" dirty="0"/>
+              <a:t>✅部品の独立性を高めることで、修正が起きた場合の影響範囲を最小限にして、他のシステムで容易に再利用できるよう</a:t>
+            </a:r>
+            <a:r>
+              <a:rPr lang="ja-JP" altLang="en-US"/>
+              <a:t>にする</a:t>
+            </a:r>
+            <a:endParaRPr lang="en-US" altLang="ja-JP" dirty="0"/>
+          </a:p>
+          <a:p>
+            <a:pPr marL="0" indent="0">
+              <a:buNone/>
+            </a:pPr>
+            <a:endParaRPr lang="en-US" altLang="ja-JP" dirty="0"/>
+          </a:p>
+          <a:p>
+            <a:pPr marL="0" indent="0">
+              <a:buNone/>
+            </a:pPr>
+            <a:r>
+              <a:rPr lang="en-US" altLang="ja-JP" sz="1800" dirty="0"/>
+              <a:t>*</a:t>
+            </a:r>
+            <a:r>
+              <a:rPr lang="ja-JP" altLang="en-US" sz="1800">
+                <a:hlinkClick r:id="rId2"/>
+              </a:rPr>
+              <a:t>書籍</a:t>
+            </a:r>
+            <a:r>
+              <a:rPr lang="en-US" altLang="ja-JP" sz="1800" dirty="0">
+                <a:hlinkClick r:id="rId2"/>
+              </a:rPr>
+              <a:t>『</a:t>
+            </a:r>
+            <a:r>
+              <a:rPr lang="ja-JP" altLang="en-US" sz="1800">
+                <a:hlinkClick r:id="rId2"/>
+              </a:rPr>
+              <a:t>オブジェクト指向でなぜつくるのか</a:t>
+            </a:r>
+            <a:r>
+              <a:rPr lang="en-US" altLang="ja-JP" sz="1800" dirty="0">
+                <a:hlinkClick r:id="rId2"/>
+              </a:rPr>
+              <a:t> </a:t>
+            </a:r>
+            <a:r>
+              <a:rPr lang="ja-JP" altLang="en-US" sz="1800">
+                <a:hlinkClick r:id="rId2"/>
+              </a:rPr>
+              <a:t>第３版</a:t>
+            </a:r>
+            <a:r>
+              <a:rPr lang="en-US" altLang="ja-JP" sz="1800" dirty="0">
+                <a:hlinkClick r:id="rId2"/>
+              </a:rPr>
+              <a:t>』</a:t>
+            </a:r>
+            <a:r>
+              <a:rPr lang="ja-JP" altLang="en-US" sz="1800"/>
+              <a:t>より引用</a:t>
+            </a:r>
+            <a:endParaRPr lang="ja-JP" altLang="en-US" sz="1800" dirty="0"/>
+          </a:p>
+        </p:txBody>
+      </p:sp>
+      <p:sp>
+        <p:nvSpPr>
+          <p:cNvPr id="5" name="テキスト ボックス 4">
+            <a:extLst>
+              <a:ext uri="{FF2B5EF4-FFF2-40B4-BE49-F238E27FC236}">
+                <a16:creationId xmlns:a16="http://schemas.microsoft.com/office/drawing/2014/main" id="{3986E4EE-F4F7-91AF-2B8E-54F230D41858}"/>
+              </a:ext>
+            </a:extLst>
+          </p:cNvPr>
+          <p:cNvSpPr txBox="1"/>
+          <p:nvPr/>
+        </p:nvSpPr>
+        <p:spPr>
+          <a:xfrm>
+            <a:off x="3049030" y="2997199"/>
+            <a:ext cx="6098058" cy="369332"/>
+          </a:xfrm>
+          <a:prstGeom prst="rect">
+            <a:avLst/>
+          </a:prstGeom>
+          <a:noFill/>
+        </p:spPr>
+        <p:txBody>
+          <a:bodyPr wrap="square">
+            <a:spAutoFit/>
+          </a:bodyPr>
+          <a:lstStyle/>
+          <a:p>
+            <a:r>
+              <a:rPr lang="en-US" altLang="ja-JP" dirty="0">
+                <a:hlinkClick r:id="rId2"/>
+              </a:rPr>
+              <a:t>『</a:t>
+            </a:r>
+            <a:r>
+              <a:rPr lang="ja-JP" altLang="en-US">
+                <a:hlinkClick r:id="rId2"/>
+              </a:rPr>
+              <a:t>オブジェクト指向でなぜつくるのか</a:t>
+            </a:r>
+            <a:r>
+              <a:rPr lang="en-US" altLang="ja-JP" dirty="0">
+                <a:hlinkClick r:id="rId2"/>
+              </a:rPr>
+              <a:t> </a:t>
+            </a:r>
+            <a:r>
+              <a:rPr lang="ja-JP" altLang="en-US">
+                <a:hlinkClick r:id="rId2"/>
+              </a:rPr>
+              <a:t>第３版</a:t>
+            </a:r>
+            <a:r>
+              <a:rPr lang="en-US" altLang="ja-JP" dirty="0">
+                <a:hlinkClick r:id="rId2"/>
+              </a:rPr>
+              <a:t>』</a:t>
+            </a:r>
+            <a:r>
+              <a:rPr lang="ja-JP" altLang="en-US"/>
+              <a:t>より引用</a:t>
+            </a:r>
+          </a:p>
+        </p:txBody>
+      </p:sp>
+    </p:spTree>
+    <p:extLst>
+      <p:ext uri="{BB962C8B-B14F-4D97-AF65-F5344CB8AC3E}">
+        <p14:creationId xmlns:p14="http://schemas.microsoft.com/office/powerpoint/2010/main" val="4019972730"/>
       </p:ext>
     </p:extLst>
   </p:cSld>
@@ -7497,8 +7519,16 @@
           <a:lstStyle/>
           <a:p>
             <a:r>
+              <a:rPr lang="en-US" altLang="ja-JP" sz="3600" dirty="0"/>
+              <a:t>OOP</a:t>
+            </a:r>
+            <a:r>
+              <a:rPr lang="ja-JP" altLang="en-US" sz="3600"/>
+              <a:t>の</a:t>
+            </a:r>
+            <a:r>
               <a:rPr lang="ja-JP" altLang="en-US" sz="3600" dirty="0"/>
-              <a:t>デザインパターンについて</a:t>
+              <a:t>主要概念</a:t>
             </a:r>
             <a:endParaRPr kumimoji="1" lang="ja-JP" altLang="en-US" sz="3600" dirty="0"/>
           </a:p>
@@ -7535,13 +7565,24 @@
             <a:pPr marL="0" indent="0">
               <a:buNone/>
             </a:pPr>
+            <a:r>
+              <a:rPr lang="en-US" altLang="ja-JP" dirty="0"/>
+              <a:t>OOP</a:t>
+            </a:r>
+            <a:r>
+              <a:rPr lang="ja-JP" altLang="en-US"/>
+              <a:t>の主要な４つの概念について説明する</a:t>
+            </a:r>
             <a:endParaRPr lang="en-US" altLang="ja-JP" dirty="0"/>
           </a:p>
           <a:p>
-            <a:pPr>
-              <a:buFont typeface="Wingdings" panose="05000000000000000000" pitchFamily="2" charset="2"/>
-              <a:buChar char="l"/>
+            <a:pPr marL="0" indent="0">
+              <a:buNone/>
             </a:pPr>
+            <a:r>
+              <a:rPr lang="en-US" altLang="ja-JP" dirty="0"/>
+              <a:t>- </a:t>
+            </a:r>
             <a:r>
               <a:rPr lang="ja-JP" altLang="en-US"/>
               <a:t>カプセル化</a:t>
@@ -7549,57 +7590,146 @@
             <a:endParaRPr lang="en-US" altLang="ja-JP" dirty="0"/>
           </a:p>
           <a:p>
+            <a:pPr marL="0" indent="0">
+              <a:buNone/>
+            </a:pPr>
+            <a:r>
+              <a:rPr lang="en-US" altLang="ja-JP" dirty="0"/>
+              <a:t>- </a:t>
+            </a:r>
+            <a:r>
+              <a:rPr lang="ja-JP" altLang="en-US"/>
+              <a:t>継承</a:t>
+            </a:r>
+            <a:endParaRPr lang="en-US" altLang="ja-JP" dirty="0"/>
+          </a:p>
+          <a:p>
+            <a:pPr marL="0" indent="0">
+              <a:buNone/>
+            </a:pPr>
+            <a:r>
+              <a:rPr lang="en-US" altLang="ja-JP" dirty="0"/>
+              <a:t>- </a:t>
+            </a:r>
+            <a:r>
+              <a:rPr lang="ja-JP" altLang="en-US"/>
+              <a:t>多態（ポリモーフィズム）</a:t>
+            </a:r>
+            <a:endParaRPr lang="en-US" altLang="ja-JP" dirty="0"/>
+          </a:p>
+          <a:p>
             <a:pPr>
-              <a:buFont typeface="Wingdings" panose="05000000000000000000" pitchFamily="2" charset="2"/>
-              <a:buChar char="l"/>
+              <a:buFontTx/>
+              <a:buChar char="-"/>
             </a:pPr>
             <a:r>
-              <a:rPr lang="ja-JP" altLang="en-US" dirty="0"/>
-              <a:t>継承</a:t>
-            </a:r>
-            <a:endParaRPr lang="en-US" altLang="ja-JP" dirty="0"/>
+              <a:rPr lang="ja-JP" altLang="en-US"/>
+              <a:t>移譲（コンポジット）</a:t>
+            </a:r>
+            <a:r>
+              <a:rPr lang="en-US" altLang="ja-JP" sz="1800" dirty="0"/>
+              <a:t>*</a:t>
+            </a:r>
+            <a:r>
+              <a:rPr lang="ja-JP" altLang="en-US" sz="1800"/>
+              <a:t>これは</a:t>
+            </a:r>
+            <a:r>
+              <a:rPr lang="en-US" altLang="ja-JP" sz="1800" dirty="0"/>
+              <a:t>OOP</a:t>
+            </a:r>
+            <a:r>
+              <a:rPr lang="ja-JP" altLang="en-US" sz="1800"/>
+              <a:t>というより設計デザインの概念</a:t>
+            </a:r>
+            <a:endParaRPr lang="en-US" altLang="ja-JP" sz="1800" dirty="0"/>
           </a:p>
           <a:p>
             <a:pPr>
-              <a:buFont typeface="Wingdings" panose="05000000000000000000" pitchFamily="2" charset="2"/>
-              <a:buChar char="l"/>
+              <a:buFontTx/>
+              <a:buChar char="-"/>
             </a:pPr>
             <a:endParaRPr lang="en-US" altLang="ja-JP" dirty="0"/>
           </a:p>
           <a:p>
-            <a:pPr>
-              <a:buFont typeface="Wingdings" panose="05000000000000000000" pitchFamily="2" charset="2"/>
-              <a:buChar char="l"/>
+            <a:pPr marL="0" indent="0">
+              <a:buNone/>
             </a:pPr>
             <a:r>
-              <a:rPr lang="ja-JP" altLang="en-US" dirty="0"/>
-              <a:t>ポリモーフィズム</a:t>
-            </a:r>
-            <a:endParaRPr lang="en-US" altLang="ja-JP" dirty="0"/>
-          </a:p>
-          <a:p>
-            <a:pPr>
-              <a:buFont typeface="Wingdings" panose="05000000000000000000" pitchFamily="2" charset="2"/>
-              <a:buChar char="l"/>
+              <a:rPr lang="en-US" altLang="ja-JP" sz="2400" dirty="0"/>
+              <a:t>※</a:t>
+            </a:r>
+            <a:r>
+              <a:rPr lang="ja-JP" altLang="en-US" sz="2400"/>
+              <a:t>以下のファイルで説明する</a:t>
+            </a:r>
+            <a:endParaRPr lang="en-US" altLang="ja-JP" sz="2400" dirty="0"/>
+          </a:p>
+          <a:p>
+            <a:pPr marL="0" indent="0">
+              <a:buNone/>
+            </a:pPr>
+            <a:r>
+              <a:rPr lang="en-US" altLang="ja-JP" sz="1800" dirty="0"/>
+              <a:t>- </a:t>
+            </a:r>
+            <a:r>
+              <a:rPr lang="ja-JP" altLang="en-US" sz="1800"/>
+              <a:t>オブジェクト指向を学習するための実践的クラス（</a:t>
+            </a:r>
+            <a:r>
+              <a:rPr lang="en-US" altLang="ja-JP" sz="1800" dirty="0" err="1"/>
+              <a:t>NotificationSystem</a:t>
+            </a:r>
+            <a:r>
+              <a:rPr lang="ja-JP" altLang="en-US" sz="1800"/>
+              <a:t>）</a:t>
+            </a:r>
+            <a:r>
+              <a:rPr lang="en-US" altLang="ja-JP" sz="1800" dirty="0"/>
+              <a:t>.md</a:t>
+            </a:r>
+          </a:p>
+          <a:p>
+            <a:pPr marL="0" indent="0">
+              <a:buNone/>
+            </a:pPr>
+            <a:r>
+              <a:rPr lang="en-US" altLang="ja-JP" sz="1800" dirty="0"/>
+              <a:t>- </a:t>
+            </a:r>
+            <a:r>
+              <a:rPr lang="en-US" altLang="ja-JP" sz="1800" dirty="0" err="1"/>
+              <a:t>NotificationSystem.java</a:t>
+            </a:r>
+            <a:endParaRPr lang="en-US" altLang="ja-JP" sz="1800" dirty="0"/>
+          </a:p>
+          <a:p>
+            <a:pPr marL="0" indent="0">
+              <a:buNone/>
             </a:pPr>
             <a:endParaRPr lang="en-US" altLang="ja-JP" dirty="0"/>
           </a:p>
           <a:p>
             <a:pPr>
-              <a:buFont typeface="Wingdings" panose="05000000000000000000" pitchFamily="2" charset="2"/>
-              <a:buChar char="l"/>
+              <a:buFontTx/>
+              <a:buChar char="-"/>
             </a:pPr>
-            <a:r>
-              <a:rPr lang="ja-JP" altLang="en-US" dirty="0"/>
-              <a:t>インターフェース</a:t>
-            </a:r>
+            <a:endParaRPr lang="en-US" altLang="ja-JP" dirty="0"/>
+          </a:p>
+          <a:p>
+            <a:pPr>
+              <a:buFontTx/>
+              <a:buChar char="-"/>
+            </a:pPr>
+            <a:endParaRPr lang="en-US" altLang="ja-JP" dirty="0"/>
           </a:p>
         </p:txBody>
       </p:sp>
     </p:spTree>
     <p:extLst>
       <p:ext uri="{BB962C8B-B14F-4D97-AF65-F5344CB8AC3E}">
-        <p14:creationId xmlns:p14="http://schemas.microsoft.com/office/powerpoint/2010/main" val="887031309"/>
+        <p14:creationId xmlns:p14="http://schemas.microsoft.com/office/powerpoint/2010/main" val="502312544"/>
       </p:ext>
     </p:extLst>
   </p:cSld>
@@ -7657,7 +7787,7 @@
           <a:p>
             <a:r>
               <a:rPr lang="ja-JP" altLang="en-US" sz="3600" dirty="0"/>
-              <a:t>クラス</a:t>
+              <a:t>デザインパターンについて</a:t>
             </a:r>
             <a:endParaRPr kumimoji="1" lang="ja-JP" altLang="en-US" sz="3600" dirty="0"/>
           </a:p>
@@ -7691,18 +7821,124 @@
           </a:bodyPr>
           <a:lstStyle/>
           <a:p>
+            <a:pPr marL="0" indent="0">
+              <a:buNone/>
+            </a:pPr>
+            <a:r>
+              <a:rPr lang="ja-JP" altLang="en-US"/>
+              <a:t>✅ソフトウェア設計に繰り返し現れる問題に対する実績ある解決方法を、再利用可能な形で共有するためにまとめられた設計知識</a:t>
+            </a:r>
+            <a:endParaRPr lang="en-US" altLang="ja-JP" dirty="0"/>
+          </a:p>
+          <a:p>
+            <a:pPr marL="0" indent="0">
+              <a:buNone/>
+            </a:pPr>
+            <a:endParaRPr lang="en-US" altLang="ja-JP" dirty="0"/>
+          </a:p>
+          <a:p>
+            <a:pPr marL="0" indent="0">
+              <a:buNone/>
+            </a:pPr>
+            <a:r>
+              <a:rPr lang="ja-JP" altLang="en-US"/>
+              <a:t>✅個別の実装ではなく設計上の構造を共有することで、開発効率と設計品質の向上を図ることを目的とする。</a:t>
+            </a:r>
+            <a:endParaRPr lang="en-US" altLang="ja-JP" dirty="0"/>
+          </a:p>
+          <a:p>
+            <a:pPr marL="0" indent="0">
+              <a:buNone/>
+            </a:pPr>
+            <a:endParaRPr lang="en-US" altLang="ja-JP" dirty="0"/>
+          </a:p>
+          <a:p>
+            <a:pPr marL="0" indent="0">
+              <a:buNone/>
+            </a:pPr>
+            <a:r>
+              <a:rPr lang="ja-JP" altLang="en-US"/>
+              <a:t>✅書籍</a:t>
+            </a:r>
+            <a:r>
+              <a:rPr lang="en-US" altLang="ja-JP" dirty="0"/>
+              <a:t>『</a:t>
+            </a:r>
+            <a:r>
+              <a:rPr lang="ja-JP" altLang="en-US">
+                <a:hlinkClick r:id="rId2" tooltip="オブジェクト指向"/>
+              </a:rPr>
+              <a:t>オブジェクト指向</a:t>
+            </a:r>
+            <a:r>
+              <a:rPr lang="ja-JP" altLang="en-US"/>
+              <a:t>における再利用のためのデザインパターン</a:t>
+            </a:r>
+            <a:r>
+              <a:rPr lang="en-US" altLang="ja-JP" dirty="0"/>
+              <a:t>』</a:t>
+            </a:r>
+            <a:r>
+              <a:rPr lang="ja-JP" altLang="en-US"/>
+              <a:t>において、</a:t>
+            </a:r>
+            <a:r>
+              <a:rPr lang="en" altLang="ja-JP" dirty="0">
+                <a:hlinkClick r:id="rId3" tooltip="ギャング・オブ・フォー (情報工学)"/>
+              </a:rPr>
+              <a:t>GoF</a:t>
+            </a:r>
+            <a:r>
+              <a:rPr lang="en" altLang="ja-JP" dirty="0"/>
+              <a:t> (Gang of Four) </a:t>
+            </a:r>
+            <a:r>
+              <a:rPr lang="ja-JP" altLang="en-US"/>
+              <a:t>と呼ばれる</a:t>
+            </a:r>
+            <a:r>
+              <a:rPr lang="en-US" altLang="ja-JP" dirty="0"/>
+              <a:t>4</a:t>
+            </a:r>
+            <a:r>
+              <a:rPr lang="ja-JP" altLang="en-US"/>
+              <a:t>人の共著者が、デザインパターンという用語を初めてソフトウェア開発に導入</a:t>
+            </a:r>
+            <a:endParaRPr lang="en-US" altLang="ja-JP" dirty="0"/>
+          </a:p>
+          <a:p>
+            <a:pPr marL="0" indent="0">
+              <a:buNone/>
+            </a:pPr>
+            <a:r>
+              <a:rPr lang="en-US" altLang="ja-JP" sz="1800" dirty="0"/>
+              <a:t>*</a:t>
+            </a:r>
+            <a:r>
+              <a:rPr lang="en-US" altLang="ja-JP" sz="1800" dirty="0">
+                <a:hlinkClick r:id="rId4"/>
+              </a:rPr>
+              <a:t>WikiPedia</a:t>
+            </a:r>
+            <a:r>
+              <a:rPr lang="ja-JP" altLang="en-US" sz="1800"/>
+              <a:t>より引用</a:t>
+            </a:r>
+            <a:endParaRPr lang="en-US" altLang="ja-JP" sz="1800" dirty="0"/>
+          </a:p>
+          <a:p>
             <a:pPr>
               <a:buFont typeface="Wingdings" panose="05000000000000000000" pitchFamily="2" charset="2"/>
               <a:buChar char="l"/>
             </a:pPr>
-            <a:endParaRPr lang="ja-JP" altLang="en-US" dirty="0"/>
+            <a:endParaRPr lang="en-US" altLang="ja-JP" dirty="0"/>
           </a:p>
         </p:txBody>
       </p:sp>
     </p:spTree>
     <p:extLst>
       <p:ext uri="{BB962C8B-B14F-4D97-AF65-F5344CB8AC3E}">
-        <p14:creationId xmlns:p14="http://schemas.microsoft.com/office/powerpoint/2010/main" val="1350614235"/>
+        <p14:creationId xmlns:p14="http://schemas.microsoft.com/office/powerpoint/2010/main" val="887031309"/>
       </p:ext>
     </p:extLst>
   </p:cSld>
@@ -7713,6 +7949,165 @@
 </file>
 
 <file path=ppt/slides/slide6.xml><?xml version="1.0" encoding="utf-8"?>
+<p:sld xmlns:a="http://schemas.openxmlformats.org/drawingml/2006/main" xmlns:r="http://schemas.openxmlformats.org/officeDocument/2006/relationships" xmlns:p="http://schemas.openxmlformats.org/presentationml/2006/main">
+  <p:cSld>
+    <p:spTree>
+      <p:nvGrpSpPr>
+        <p:cNvPr id="1" name="">
+          <a:extLst>
+            <a:ext uri="{FF2B5EF4-FFF2-40B4-BE49-F238E27FC236}">
+              <a16:creationId xmlns:a16="http://schemas.microsoft.com/office/drawing/2014/main" id="{2877340C-F191-9376-FF4D-1D6749A50944}"/>
+            </a:ext>
+          </a:extLst>
+        </p:cNvPr>
+        <p:cNvGrpSpPr/>
+        <p:nvPr/>
+      </p:nvGrpSpPr>
+      <p:grpSpPr>
+        <a:xfrm>
+          <a:off x="0" y="0"/>
+          <a:ext cx="0" cy="0"/>
+          <a:chOff x="0" y="0"/>
+          <a:chExt cx="0" cy="0"/>
+        </a:xfrm>
+      </p:grpSpPr>
+      <p:sp>
+        <p:nvSpPr>
+          <p:cNvPr id="2" name="タイトル 1">
+            <a:extLst>
+              <a:ext uri="{FF2B5EF4-FFF2-40B4-BE49-F238E27FC236}">
+                <a16:creationId xmlns:a16="http://schemas.microsoft.com/office/drawing/2014/main" id="{8D750AEA-AA4C-A5B2-510E-A39087819D05}"/>
+              </a:ext>
+            </a:extLst>
+          </p:cNvPr>
+          <p:cNvSpPr>
+            <a:spLocks noGrp="1"/>
+          </p:cNvSpPr>
+          <p:nvPr>
+            <p:ph type="title"/>
+          </p:nvPr>
+        </p:nvSpPr>
+        <p:spPr/>
+        <p:txBody>
+          <a:bodyPr>
+            <a:normAutofit/>
+          </a:bodyPr>
+          <a:lstStyle/>
+          <a:p>
+            <a:r>
+              <a:rPr kumimoji="1" lang="ja-JP" altLang="en-US" sz="3600"/>
+              <a:t>主要なデザインパターン</a:t>
+            </a:r>
+            <a:endParaRPr kumimoji="1" lang="ja-JP" altLang="en-US" sz="3600" dirty="0"/>
+          </a:p>
+        </p:txBody>
+      </p:sp>
+      <p:sp>
+        <p:nvSpPr>
+          <p:cNvPr id="3" name="コンテンツ プレースホルダー 2">
+            <a:extLst>
+              <a:ext uri="{FF2B5EF4-FFF2-40B4-BE49-F238E27FC236}">
+                <a16:creationId xmlns:a16="http://schemas.microsoft.com/office/drawing/2014/main" id="{6CC63A94-453A-6AB7-31AE-677B67631356}"/>
+              </a:ext>
+            </a:extLst>
+          </p:cNvPr>
+          <p:cNvSpPr>
+            <a:spLocks noGrp="1"/>
+          </p:cNvSpPr>
+          <p:nvPr>
+            <p:ph idx="1"/>
+          </p:nvPr>
+        </p:nvSpPr>
+        <p:spPr>
+          <a:xfrm>
+            <a:off x="838200" y="1466397"/>
+            <a:ext cx="10515600" cy="5146674"/>
+          </a:xfrm>
+        </p:spPr>
+        <p:txBody>
+          <a:bodyPr>
+            <a:normAutofit/>
+          </a:bodyPr>
+          <a:lstStyle/>
+          <a:p>
+            <a:pPr marL="0" indent="0">
+              <a:buNone/>
+            </a:pPr>
+            <a:r>
+              <a:rPr lang="en-US" altLang="ja-JP" sz="2400" dirty="0"/>
+              <a:t>※</a:t>
+            </a:r>
+            <a:r>
+              <a:rPr lang="ja-JP" altLang="en-US" sz="2400"/>
+              <a:t>以下のファイルで説明する</a:t>
+            </a:r>
+            <a:endParaRPr lang="en-US" altLang="ja-JP" sz="2400" dirty="0"/>
+          </a:p>
+          <a:p>
+            <a:pPr marL="0" indent="0">
+              <a:buNone/>
+            </a:pPr>
+            <a:r>
+              <a:rPr lang="en-US" altLang="ja-JP" sz="1800" dirty="0"/>
+              <a:t>- </a:t>
+            </a:r>
+            <a:r>
+              <a:rPr lang="ja-JP" altLang="en-US" sz="1800"/>
+              <a:t>デザインパターンについて</a:t>
+            </a:r>
+            <a:r>
+              <a:rPr lang="en-US" altLang="ja-JP" sz="1800" dirty="0"/>
+              <a:t>.md</a:t>
+            </a:r>
+          </a:p>
+          <a:p>
+            <a:pPr marL="0" indent="0">
+              <a:buNone/>
+            </a:pPr>
+            <a:r>
+              <a:rPr lang="en-US" altLang="ja-JP" sz="1800" dirty="0"/>
+              <a:t>- </a:t>
+            </a:r>
+            <a:r>
+              <a:rPr lang="ja-JP" altLang="en-US" sz="1800"/>
+              <a:t>デザインパターンの特徴と用途</a:t>
+            </a:r>
+            <a:r>
+              <a:rPr lang="en-US" altLang="ja-JP" sz="1800" dirty="0"/>
+              <a:t>.md</a:t>
+            </a:r>
+            <a:endParaRPr lang="en-US" altLang="ja-JP" dirty="0"/>
+          </a:p>
+          <a:p>
+            <a:pPr>
+              <a:buFontTx/>
+              <a:buChar char="-"/>
+            </a:pPr>
+            <a:endParaRPr lang="en-US" altLang="ja-JP" dirty="0"/>
+          </a:p>
+          <a:p>
+            <a:pPr>
+              <a:buFontTx/>
+              <a:buChar char="-"/>
+            </a:pPr>
+            <a:endParaRPr lang="en-US" altLang="ja-JP" dirty="0"/>
+          </a:p>
+        </p:txBody>
+      </p:sp>
+    </p:spTree>
+    <p:extLst>
+      <p:ext uri="{BB962C8B-B14F-4D97-AF65-F5344CB8AC3E}">
+        <p14:creationId xmlns:p14="http://schemas.microsoft.com/office/powerpoint/2010/main" val="3697956645"/>
+      </p:ext>
+    </p:extLst>
+  </p:cSld>
+  <p:clrMapOvr>
+    <a:masterClrMapping/>
+  </p:clrMapOvr>
+</p:sld>
+</file>
+
+<file path=ppt/slides/slide7.xml><?xml version="1.0" encoding="utf-8"?>
 <p:sld xmlns:a="http://schemas.openxmlformats.org/drawingml/2006/main" xmlns:r="http://schemas.openxmlformats.org/officeDocument/2006/relationships" xmlns:p="http://schemas.openxmlformats.org/presentationml/2006/main">
   <p:cSld>
     <p:spTree>
@@ -7829,109 +8224,6 @@
     <p:extLst>
       <p:ext uri="{BB962C8B-B14F-4D97-AF65-F5344CB8AC3E}">
         <p14:creationId xmlns:p14="http://schemas.microsoft.com/office/powerpoint/2010/main" val="72967618"/>
-      </p:ext>
-    </p:extLst>
-  </p:cSld>
-  <p:clrMapOvr>
-    <a:masterClrMapping/>
-  </p:clrMapOvr>
-</p:sld>
-</file>
-
-<file path=ppt/slides/slide7.xml><?xml version="1.0" encoding="utf-8"?>
-<p:sld xmlns:a="http://schemas.openxmlformats.org/drawingml/2006/main" xmlns:r="http://schemas.openxmlformats.org/officeDocument/2006/relationships" xmlns:p="http://schemas.openxmlformats.org/presentationml/2006/main">
-  <p:cSld>
-    <p:spTree>
-      <p:nvGrpSpPr>
-        <p:cNvPr id="1" name="">
-          <a:extLst>
-            <a:ext uri="{FF2B5EF4-FFF2-40B4-BE49-F238E27FC236}">
-              <a16:creationId xmlns:a16="http://schemas.microsoft.com/office/drawing/2014/main" id="{2E0E07E3-1B09-367C-DDAC-78B4285B48F6}"/>
-            </a:ext>
-          </a:extLst>
-        </p:cNvPr>
-        <p:cNvGrpSpPr/>
-        <p:nvPr/>
-      </p:nvGrpSpPr>
-      <p:grpSpPr>
-        <a:xfrm>
-          <a:off x="0" y="0"/>
-          <a:ext cx="0" cy="0"/>
-          <a:chOff x="0" y="0"/>
-          <a:chExt cx="0" cy="0"/>
-        </a:xfrm>
-      </p:grpSpPr>
-      <p:sp>
-        <p:nvSpPr>
-          <p:cNvPr id="2" name="タイトル 1">
-            <a:extLst>
-              <a:ext uri="{FF2B5EF4-FFF2-40B4-BE49-F238E27FC236}">
-                <a16:creationId xmlns:a16="http://schemas.microsoft.com/office/drawing/2014/main" id="{C1C4982B-BC3A-D6CF-E3B5-60C95AD63E08}"/>
-              </a:ext>
-            </a:extLst>
-          </p:cNvPr>
-          <p:cNvSpPr>
-            <a:spLocks noGrp="1"/>
-          </p:cNvSpPr>
-          <p:nvPr>
-            <p:ph type="title"/>
-          </p:nvPr>
-        </p:nvSpPr>
-        <p:spPr/>
-        <p:txBody>
-          <a:bodyPr>
-            <a:normAutofit/>
-          </a:bodyPr>
-          <a:lstStyle/>
-          <a:p>
-            <a:r>
-              <a:rPr lang="ja-JP" altLang="en-US" sz="3600" dirty="0"/>
-              <a:t>ポリモーフィズム（多様性・多態）</a:t>
-            </a:r>
-            <a:endParaRPr kumimoji="1" lang="ja-JP" altLang="en-US" sz="3600" dirty="0"/>
-          </a:p>
-        </p:txBody>
-      </p:sp>
-      <p:sp>
-        <p:nvSpPr>
-          <p:cNvPr id="3" name="コンテンツ プレースホルダー 2">
-            <a:extLst>
-              <a:ext uri="{FF2B5EF4-FFF2-40B4-BE49-F238E27FC236}">
-                <a16:creationId xmlns:a16="http://schemas.microsoft.com/office/drawing/2014/main" id="{DD53FF5D-E9CC-E595-2B49-9FD96365E089}"/>
-              </a:ext>
-            </a:extLst>
-          </p:cNvPr>
-          <p:cNvSpPr>
-            <a:spLocks noGrp="1"/>
-          </p:cNvSpPr>
-          <p:nvPr>
-            <p:ph idx="1"/>
-          </p:nvPr>
-        </p:nvSpPr>
-        <p:spPr>
-          <a:xfrm>
-            <a:off x="838200" y="1466397"/>
-            <a:ext cx="10515600" cy="5146674"/>
-          </a:xfrm>
-        </p:spPr>
-        <p:txBody>
-          <a:bodyPr>
-            <a:normAutofit/>
-          </a:bodyPr>
-          <a:lstStyle/>
-          <a:p>
-            <a:pPr>
-              <a:buFont typeface="Wingdings" panose="05000000000000000000" pitchFamily="2" charset="2"/>
-              <a:buChar char="l"/>
-            </a:pPr>
-            <a:endParaRPr lang="ja-JP" altLang="en-US" dirty="0"/>
-          </a:p>
-        </p:txBody>
-      </p:sp>
-    </p:spTree>
-    <p:extLst>
-      <p:ext uri="{BB962C8B-B14F-4D97-AF65-F5344CB8AC3E}">
-        <p14:creationId xmlns:p14="http://schemas.microsoft.com/office/powerpoint/2010/main" val="638723530"/>
       </p:ext>
     </p:extLst>
   </p:cSld>
@@ -7988,9 +8280,10 @@
           <a:lstStyle/>
           <a:p>
             <a:r>
-              <a:rPr kumimoji="1" lang="ja-JP" altLang="en-US" sz="3600" dirty="0"/>
-              <a:t>継承</a:t>
-            </a:r>
+              <a:rPr lang="ja-JP" altLang="en-US" sz="3600"/>
+              <a:t>マルチパラダイム（関数型言語の概念の導入）</a:t>
+            </a:r>
+            <a:endParaRPr kumimoji="1" lang="ja-JP" altLang="en-US" sz="3600" dirty="0"/>
           </a:p>
         </p:txBody>
       </p:sp>
@@ -8090,20 +8383,8 @@
           <a:lstStyle/>
           <a:p>
             <a:r>
-              <a:rPr lang="en-US" altLang="ja-JP" sz="3600" dirty="0"/>
-              <a:t>【</a:t>
-            </a:r>
-            <a:r>
-              <a:rPr lang="en-US" altLang="ja-JP" sz="3600" dirty="0" err="1"/>
-              <a:t>AOSP】Android</a:t>
-            </a:r>
-            <a:r>
-              <a:rPr lang="en-US" altLang="ja-JP" sz="3600" dirty="0"/>
-              <a:t> View </a:t>
-            </a:r>
-            <a:r>
-              <a:rPr lang="ja-JP" altLang="en-US" sz="3600" dirty="0"/>
-              <a:t>について</a:t>
+              <a:rPr kumimoji="1" lang="ja-JP" altLang="en-US" sz="3600"/>
+              <a:t>以降は参考資料</a:t>
             </a:r>
             <a:endParaRPr kumimoji="1" lang="ja-JP" altLang="en-US" sz="3600" dirty="0"/>
           </a:p>
